--- a/idea/idea_video_compression.pptx
+++ b/idea/idea_video_compression.pptx
@@ -7,7 +7,7 @@
     <p:sldMasterId id="2147483684" r:id="rId3"/>
   </p:sldMasterIdLst>
   <p:notesMasterIdLst>
-    <p:notesMasterId r:id="rId11"/>
+    <p:notesMasterId r:id="rId17"/>
   </p:notesMasterIdLst>
   <p:sldIdLst>
     <p:sldId id="256" r:id="rId4"/>
@@ -15,25 +15,31 @@
     <p:sldId id="258" r:id="rId6"/>
     <p:sldId id="259" r:id="rId7"/>
     <p:sldId id="260" r:id="rId8"/>
-    <p:sldId id="261" r:id="rId9"/>
-    <p:sldId id="262" r:id="rId10"/>
+    <p:sldId id="263" r:id="rId9"/>
+    <p:sldId id="269" r:id="rId10"/>
+    <p:sldId id="261" r:id="rId11"/>
+    <p:sldId id="270" r:id="rId12"/>
+    <p:sldId id="266" r:id="rId13"/>
+    <p:sldId id="268" r:id="rId14"/>
+    <p:sldId id="267" r:id="rId15"/>
+    <p:sldId id="262" r:id="rId16"/>
   </p:sldIdLst>
   <p:sldSz cx="9144000" cy="5143500" type="screen16x9"/>
   <p:notesSz cx="6858000" cy="9144000"/>
   <p:embeddedFontLst>
     <p:embeddedFont>
       <p:font typeface="Calibri" panose="020F0502020204030204" pitchFamily="34" charset="0"/>
-      <p:regular r:id="rId12"/>
-      <p:bold r:id="rId13"/>
-      <p:italic r:id="rId14"/>
-      <p:boldItalic r:id="rId15"/>
+      <p:regular r:id="rId18"/>
+      <p:bold r:id="rId19"/>
+      <p:italic r:id="rId20"/>
+      <p:boldItalic r:id="rId21"/>
     </p:embeddedFont>
     <p:embeddedFont>
       <p:font typeface="Century Schoolbook" panose="02040604050505020304" pitchFamily="18" charset="0"/>
-      <p:regular r:id="rId16"/>
-      <p:bold r:id="rId17"/>
-      <p:italic r:id="rId18"/>
-      <p:boldItalic r:id="rId19"/>
+      <p:regular r:id="rId22"/>
+      <p:bold r:id="rId23"/>
+      <p:italic r:id="rId24"/>
+      <p:boldItalic r:id="rId25"/>
     </p:embeddedFont>
   </p:embeddedFontLst>
   <p:defaultTextStyle>
@@ -784,7 +790,7 @@
               <a:buSzPts val="1400"/>
               <a:buNone/>
             </a:pPr>
-            <a:endParaRPr sz="2000" b="0" strike="noStrike">
+            <a:endParaRPr sz="2000" b="0" strike="noStrike" dirty="0">
               <a:solidFill>
                 <a:srgbClr val="000000"/>
               </a:solidFill>
@@ -853,6 +859,509 @@
       <p:sp>
         <p:nvSpPr>
           <p:cNvPr id="178" name="Google Shape;178;g12ac36f96a7_2_50:notes"/>
+          <p:cNvSpPr>
+            <a:spLocks noGrp="1" noRot="1" noChangeAspect="1"/>
+          </p:cNvSpPr>
+          <p:nvPr>
+            <p:ph type="sldImg" idx="2"/>
+          </p:nvPr>
+        </p:nvSpPr>
+        <p:spPr>
+          <a:xfrm>
+            <a:off x="685800" y="1143000"/>
+            <a:ext cx="5486400" cy="3086100"/>
+          </a:xfrm>
+          <a:custGeom>
+            <a:avLst/>
+            <a:gdLst/>
+            <a:ahLst/>
+            <a:cxnLst/>
+            <a:rect l="l" t="t" r="r" b="b"/>
+            <a:pathLst>
+              <a:path w="120000" h="120000" extrusionOk="0">
+                <a:moveTo>
+                  <a:pt x="0" y="0"/>
+                </a:moveTo>
+                <a:lnTo>
+                  <a:pt x="120000" y="0"/>
+                </a:lnTo>
+                <a:lnTo>
+                  <a:pt x="120000" y="120000"/>
+                </a:lnTo>
+                <a:lnTo>
+                  <a:pt x="0" y="120000"/>
+                </a:lnTo>
+                <a:close/>
+              </a:path>
+            </a:pathLst>
+          </a:custGeom>
+          <a:noFill/>
+          <a:ln w="12700" cap="flat" cmpd="sng">
+            <a:solidFill>
+              <a:srgbClr val="000000"/>
+            </a:solidFill>
+            <a:prstDash val="solid"/>
+            <a:round/>
+            <a:headEnd type="none" w="sm" len="sm"/>
+            <a:tailEnd type="none" w="sm" len="sm"/>
+          </a:ln>
+        </p:spPr>
+      </p:sp>
+    </p:spTree>
+  </p:cSld>
+  <p:clrMapOvr>
+    <a:masterClrMapping/>
+  </p:clrMapOvr>
+</p:notes>
+</file>
+
+<file path=ppt/notesSlides/notesSlide10.xml><?xml version="1.0" encoding="utf-8"?>
+<p:notes xmlns:a="http://schemas.openxmlformats.org/drawingml/2006/main" xmlns:r="http://schemas.openxmlformats.org/officeDocument/2006/relationships" xmlns:p="http://schemas.openxmlformats.org/presentationml/2006/main" showMasterSp="0" showMasterPhAnim="0">
+  <p:cSld>
+    <p:spTree>
+      <p:nvGrpSpPr>
+        <p:cNvPr id="1" name="Shape 201"/>
+        <p:cNvGrpSpPr/>
+        <p:nvPr/>
+      </p:nvGrpSpPr>
+      <p:grpSpPr>
+        <a:xfrm>
+          <a:off x="0" y="0"/>
+          <a:ext cx="0" cy="0"/>
+          <a:chOff x="0" y="0"/>
+          <a:chExt cx="0" cy="0"/>
+        </a:xfrm>
+      </p:grpSpPr>
+      <p:sp>
+        <p:nvSpPr>
+          <p:cNvPr id="202" name="Google Shape;202;p8:notes"/>
+          <p:cNvSpPr txBox="1">
+            <a:spLocks noGrp="1"/>
+          </p:cNvSpPr>
+          <p:nvPr>
+            <p:ph type="body" idx="1"/>
+          </p:nvPr>
+        </p:nvSpPr>
+        <p:spPr>
+          <a:xfrm>
+            <a:off x="685800" y="4400550"/>
+            <a:ext cx="5486400" cy="3600600"/>
+          </a:xfrm>
+          <a:prstGeom prst="rect">
+            <a:avLst/>
+          </a:prstGeom>
+          <a:noFill/>
+          <a:ln>
+            <a:noFill/>
+          </a:ln>
+        </p:spPr>
+        <p:txBody>
+          <a:bodyPr spcFirstLastPara="1" wrap="square" lIns="91425" tIns="45700" rIns="91425" bIns="45700" anchor="t" anchorCtr="0">
+            <a:noAutofit/>
+          </a:bodyPr>
+          <a:lstStyle/>
+          <a:p>
+            <a:pPr marL="0" lvl="0" indent="0" algn="l" rtl="0">
+              <a:lnSpc>
+                <a:spcPct val="100000"/>
+              </a:lnSpc>
+              <a:spcBef>
+                <a:spcPts val="0"/>
+              </a:spcBef>
+              <a:spcAft>
+                <a:spcPts val="0"/>
+              </a:spcAft>
+              <a:buSzPts val="1400"/>
+              <a:buNone/>
+            </a:pPr>
+            <a:endParaRPr/>
+          </a:p>
+        </p:txBody>
+      </p:sp>
+      <p:sp>
+        <p:nvSpPr>
+          <p:cNvPr id="203" name="Google Shape;203;p8:notes"/>
+          <p:cNvSpPr>
+            <a:spLocks noGrp="1" noRot="1" noChangeAspect="1"/>
+          </p:cNvSpPr>
+          <p:nvPr>
+            <p:ph type="sldImg" idx="2"/>
+          </p:nvPr>
+        </p:nvSpPr>
+        <p:spPr>
+          <a:xfrm>
+            <a:off x="685800" y="1143000"/>
+            <a:ext cx="5486400" cy="3086100"/>
+          </a:xfrm>
+          <a:custGeom>
+            <a:avLst/>
+            <a:gdLst/>
+            <a:ahLst/>
+            <a:cxnLst/>
+            <a:rect l="l" t="t" r="r" b="b"/>
+            <a:pathLst>
+              <a:path w="120000" h="120000" extrusionOk="0">
+                <a:moveTo>
+                  <a:pt x="0" y="0"/>
+                </a:moveTo>
+                <a:lnTo>
+                  <a:pt x="120000" y="0"/>
+                </a:lnTo>
+                <a:lnTo>
+                  <a:pt x="120000" y="120000"/>
+                </a:lnTo>
+                <a:lnTo>
+                  <a:pt x="0" y="120000"/>
+                </a:lnTo>
+                <a:close/>
+              </a:path>
+            </a:pathLst>
+          </a:custGeom>
+          <a:noFill/>
+          <a:ln w="12700" cap="flat" cmpd="sng">
+            <a:solidFill>
+              <a:srgbClr val="000000"/>
+            </a:solidFill>
+            <a:prstDash val="solid"/>
+            <a:round/>
+            <a:headEnd type="none" w="sm" len="sm"/>
+            <a:tailEnd type="none" w="sm" len="sm"/>
+          </a:ln>
+        </p:spPr>
+      </p:sp>
+    </p:spTree>
+    <p:extLst>
+      <p:ext uri="{BB962C8B-B14F-4D97-AF65-F5344CB8AC3E}">
+        <p14:creationId xmlns:p14="http://schemas.microsoft.com/office/powerpoint/2010/main" val="2452993921"/>
+      </p:ext>
+    </p:extLst>
+  </p:cSld>
+  <p:clrMapOvr>
+    <a:masterClrMapping/>
+  </p:clrMapOvr>
+</p:notes>
+</file>
+
+<file path=ppt/notesSlides/notesSlide11.xml><?xml version="1.0" encoding="utf-8"?>
+<p:notes xmlns:a="http://schemas.openxmlformats.org/drawingml/2006/main" xmlns:r="http://schemas.openxmlformats.org/officeDocument/2006/relationships" xmlns:p="http://schemas.openxmlformats.org/presentationml/2006/main" showMasterSp="0" showMasterPhAnim="0">
+  <p:cSld>
+    <p:spTree>
+      <p:nvGrpSpPr>
+        <p:cNvPr id="1" name="Shape 201"/>
+        <p:cNvGrpSpPr/>
+        <p:nvPr/>
+      </p:nvGrpSpPr>
+      <p:grpSpPr>
+        <a:xfrm>
+          <a:off x="0" y="0"/>
+          <a:ext cx="0" cy="0"/>
+          <a:chOff x="0" y="0"/>
+          <a:chExt cx="0" cy="0"/>
+        </a:xfrm>
+      </p:grpSpPr>
+      <p:sp>
+        <p:nvSpPr>
+          <p:cNvPr id="202" name="Google Shape;202;p8:notes"/>
+          <p:cNvSpPr txBox="1">
+            <a:spLocks noGrp="1"/>
+          </p:cNvSpPr>
+          <p:nvPr>
+            <p:ph type="body" idx="1"/>
+          </p:nvPr>
+        </p:nvSpPr>
+        <p:spPr>
+          <a:xfrm>
+            <a:off x="685800" y="4400550"/>
+            <a:ext cx="5486400" cy="3600600"/>
+          </a:xfrm>
+          <a:prstGeom prst="rect">
+            <a:avLst/>
+          </a:prstGeom>
+          <a:noFill/>
+          <a:ln>
+            <a:noFill/>
+          </a:ln>
+        </p:spPr>
+        <p:txBody>
+          <a:bodyPr spcFirstLastPara="1" wrap="square" lIns="91425" tIns="45700" rIns="91425" bIns="45700" anchor="t" anchorCtr="0">
+            <a:noAutofit/>
+          </a:bodyPr>
+          <a:lstStyle/>
+          <a:p>
+            <a:pPr marL="0" lvl="0" indent="0" algn="l" rtl="0">
+              <a:lnSpc>
+                <a:spcPct val="100000"/>
+              </a:lnSpc>
+              <a:spcBef>
+                <a:spcPts val="0"/>
+              </a:spcBef>
+              <a:spcAft>
+                <a:spcPts val="0"/>
+              </a:spcAft>
+              <a:buSzPts val="1400"/>
+              <a:buNone/>
+            </a:pPr>
+            <a:endParaRPr/>
+          </a:p>
+        </p:txBody>
+      </p:sp>
+      <p:sp>
+        <p:nvSpPr>
+          <p:cNvPr id="203" name="Google Shape;203;p8:notes"/>
+          <p:cNvSpPr>
+            <a:spLocks noGrp="1" noRot="1" noChangeAspect="1"/>
+          </p:cNvSpPr>
+          <p:nvPr>
+            <p:ph type="sldImg" idx="2"/>
+          </p:nvPr>
+        </p:nvSpPr>
+        <p:spPr>
+          <a:xfrm>
+            <a:off x="685800" y="1143000"/>
+            <a:ext cx="5486400" cy="3086100"/>
+          </a:xfrm>
+          <a:custGeom>
+            <a:avLst/>
+            <a:gdLst/>
+            <a:ahLst/>
+            <a:cxnLst/>
+            <a:rect l="l" t="t" r="r" b="b"/>
+            <a:pathLst>
+              <a:path w="120000" h="120000" extrusionOk="0">
+                <a:moveTo>
+                  <a:pt x="0" y="0"/>
+                </a:moveTo>
+                <a:lnTo>
+                  <a:pt x="120000" y="0"/>
+                </a:lnTo>
+                <a:lnTo>
+                  <a:pt x="120000" y="120000"/>
+                </a:lnTo>
+                <a:lnTo>
+                  <a:pt x="0" y="120000"/>
+                </a:lnTo>
+                <a:close/>
+              </a:path>
+            </a:pathLst>
+          </a:custGeom>
+          <a:noFill/>
+          <a:ln w="12700" cap="flat" cmpd="sng">
+            <a:solidFill>
+              <a:srgbClr val="000000"/>
+            </a:solidFill>
+            <a:prstDash val="solid"/>
+            <a:round/>
+            <a:headEnd type="none" w="sm" len="sm"/>
+            <a:tailEnd type="none" w="sm" len="sm"/>
+          </a:ln>
+        </p:spPr>
+      </p:sp>
+    </p:spTree>
+    <p:extLst>
+      <p:ext uri="{BB962C8B-B14F-4D97-AF65-F5344CB8AC3E}">
+        <p14:creationId xmlns:p14="http://schemas.microsoft.com/office/powerpoint/2010/main" val="1015914360"/>
+      </p:ext>
+    </p:extLst>
+  </p:cSld>
+  <p:clrMapOvr>
+    <a:masterClrMapping/>
+  </p:clrMapOvr>
+</p:notes>
+</file>
+
+<file path=ppt/notesSlides/notesSlide12.xml><?xml version="1.0" encoding="utf-8"?>
+<p:notes xmlns:a="http://schemas.openxmlformats.org/drawingml/2006/main" xmlns:r="http://schemas.openxmlformats.org/officeDocument/2006/relationships" xmlns:p="http://schemas.openxmlformats.org/presentationml/2006/main" showMasterSp="0" showMasterPhAnim="0">
+  <p:cSld>
+    <p:spTree>
+      <p:nvGrpSpPr>
+        <p:cNvPr id="1" name="Shape 201"/>
+        <p:cNvGrpSpPr/>
+        <p:nvPr/>
+      </p:nvGrpSpPr>
+      <p:grpSpPr>
+        <a:xfrm>
+          <a:off x="0" y="0"/>
+          <a:ext cx="0" cy="0"/>
+          <a:chOff x="0" y="0"/>
+          <a:chExt cx="0" cy="0"/>
+        </a:xfrm>
+      </p:grpSpPr>
+      <p:sp>
+        <p:nvSpPr>
+          <p:cNvPr id="202" name="Google Shape;202;p8:notes"/>
+          <p:cNvSpPr txBox="1">
+            <a:spLocks noGrp="1"/>
+          </p:cNvSpPr>
+          <p:nvPr>
+            <p:ph type="body" idx="1"/>
+          </p:nvPr>
+        </p:nvSpPr>
+        <p:spPr>
+          <a:xfrm>
+            <a:off x="685800" y="4400550"/>
+            <a:ext cx="5486400" cy="3600600"/>
+          </a:xfrm>
+          <a:prstGeom prst="rect">
+            <a:avLst/>
+          </a:prstGeom>
+          <a:noFill/>
+          <a:ln>
+            <a:noFill/>
+          </a:ln>
+        </p:spPr>
+        <p:txBody>
+          <a:bodyPr spcFirstLastPara="1" wrap="square" lIns="91425" tIns="45700" rIns="91425" bIns="45700" anchor="t" anchorCtr="0">
+            <a:noAutofit/>
+          </a:bodyPr>
+          <a:lstStyle/>
+          <a:p>
+            <a:pPr marL="0" lvl="0" indent="0" algn="l" rtl="0">
+              <a:lnSpc>
+                <a:spcPct val="100000"/>
+              </a:lnSpc>
+              <a:spcBef>
+                <a:spcPts val="0"/>
+              </a:spcBef>
+              <a:spcAft>
+                <a:spcPts val="0"/>
+              </a:spcAft>
+              <a:buSzPts val="1400"/>
+              <a:buNone/>
+            </a:pPr>
+            <a:endParaRPr/>
+          </a:p>
+        </p:txBody>
+      </p:sp>
+      <p:sp>
+        <p:nvSpPr>
+          <p:cNvPr id="203" name="Google Shape;203;p8:notes"/>
+          <p:cNvSpPr>
+            <a:spLocks noGrp="1" noRot="1" noChangeAspect="1"/>
+          </p:cNvSpPr>
+          <p:nvPr>
+            <p:ph type="sldImg" idx="2"/>
+          </p:nvPr>
+        </p:nvSpPr>
+        <p:spPr>
+          <a:xfrm>
+            <a:off x="685800" y="1143000"/>
+            <a:ext cx="5486400" cy="3086100"/>
+          </a:xfrm>
+          <a:custGeom>
+            <a:avLst/>
+            <a:gdLst/>
+            <a:ahLst/>
+            <a:cxnLst/>
+            <a:rect l="l" t="t" r="r" b="b"/>
+            <a:pathLst>
+              <a:path w="120000" h="120000" extrusionOk="0">
+                <a:moveTo>
+                  <a:pt x="0" y="0"/>
+                </a:moveTo>
+                <a:lnTo>
+                  <a:pt x="120000" y="0"/>
+                </a:lnTo>
+                <a:lnTo>
+                  <a:pt x="120000" y="120000"/>
+                </a:lnTo>
+                <a:lnTo>
+                  <a:pt x="0" y="120000"/>
+                </a:lnTo>
+                <a:close/>
+              </a:path>
+            </a:pathLst>
+          </a:custGeom>
+          <a:noFill/>
+          <a:ln w="12700" cap="flat" cmpd="sng">
+            <a:solidFill>
+              <a:srgbClr val="000000"/>
+            </a:solidFill>
+            <a:prstDash val="solid"/>
+            <a:round/>
+            <a:headEnd type="none" w="sm" len="sm"/>
+            <a:tailEnd type="none" w="sm" len="sm"/>
+          </a:ln>
+        </p:spPr>
+      </p:sp>
+    </p:spTree>
+    <p:extLst>
+      <p:ext uri="{BB962C8B-B14F-4D97-AF65-F5344CB8AC3E}">
+        <p14:creationId xmlns:p14="http://schemas.microsoft.com/office/powerpoint/2010/main" val="3498516693"/>
+      </p:ext>
+    </p:extLst>
+  </p:cSld>
+  <p:clrMapOvr>
+    <a:masterClrMapping/>
+  </p:clrMapOvr>
+</p:notes>
+</file>
+
+<file path=ppt/notesSlides/notesSlide13.xml><?xml version="1.0" encoding="utf-8"?>
+<p:notes xmlns:a="http://schemas.openxmlformats.org/drawingml/2006/main" xmlns:r="http://schemas.openxmlformats.org/officeDocument/2006/relationships" xmlns:p="http://schemas.openxmlformats.org/presentationml/2006/main" showMasterSp="0" showMasterPhAnim="0">
+  <p:cSld>
+    <p:spTree>
+      <p:nvGrpSpPr>
+        <p:cNvPr id="1" name="Shape 238"/>
+        <p:cNvGrpSpPr/>
+        <p:nvPr/>
+      </p:nvGrpSpPr>
+      <p:grpSpPr>
+        <a:xfrm>
+          <a:off x="0" y="0"/>
+          <a:ext cx="0" cy="0"/>
+          <a:chOff x="0" y="0"/>
+          <a:chExt cx="0" cy="0"/>
+        </a:xfrm>
+      </p:grpSpPr>
+      <p:sp>
+        <p:nvSpPr>
+          <p:cNvPr id="239" name="Google Shape;239;g12ac36f96a7_2_183:notes"/>
+          <p:cNvSpPr txBox="1">
+            <a:spLocks noGrp="1"/>
+          </p:cNvSpPr>
+          <p:nvPr>
+            <p:ph type="body" idx="1"/>
+          </p:nvPr>
+        </p:nvSpPr>
+        <p:spPr>
+          <a:xfrm>
+            <a:off x="685800" y="4400550"/>
+            <a:ext cx="5486400" cy="3600450"/>
+          </a:xfrm>
+          <a:prstGeom prst="rect">
+            <a:avLst/>
+          </a:prstGeom>
+          <a:noFill/>
+          <a:ln>
+            <a:noFill/>
+          </a:ln>
+        </p:spPr>
+        <p:txBody>
+          <a:bodyPr spcFirstLastPara="1" wrap="square" lIns="91425" tIns="45700" rIns="91425" bIns="45700" anchor="t" anchorCtr="0">
+            <a:noAutofit/>
+          </a:bodyPr>
+          <a:lstStyle/>
+          <a:p>
+            <a:pPr marL="0" lvl="0" indent="0" algn="l" rtl="0">
+              <a:lnSpc>
+                <a:spcPct val="100000"/>
+              </a:lnSpc>
+              <a:spcBef>
+                <a:spcPts val="0"/>
+              </a:spcBef>
+              <a:spcAft>
+                <a:spcPts val="0"/>
+              </a:spcAft>
+              <a:buSzPts val="1400"/>
+              <a:buNone/>
+            </a:pPr>
+            <a:endParaRPr/>
+          </a:p>
+        </p:txBody>
+      </p:sp>
+      <p:sp>
+        <p:nvSpPr>
+          <p:cNvPr id="240" name="Google Shape;240;g12ac36f96a7_2_183:notes"/>
           <p:cNvSpPr>
             <a:spLocks noGrp="1" noRot="1" noChangeAspect="1"/>
           </p:cNvSpPr>
@@ -1402,6 +1911,255 @@
   <p:cSld>
     <p:spTree>
       <p:nvGrpSpPr>
+        <p:cNvPr id="1" name="Shape 194"/>
+        <p:cNvGrpSpPr/>
+        <p:nvPr/>
+      </p:nvGrpSpPr>
+      <p:grpSpPr>
+        <a:xfrm>
+          <a:off x="0" y="0"/>
+          <a:ext cx="0" cy="0"/>
+          <a:chOff x="0" y="0"/>
+          <a:chExt cx="0" cy="0"/>
+        </a:xfrm>
+      </p:grpSpPr>
+      <p:sp>
+        <p:nvSpPr>
+          <p:cNvPr id="195" name="Google Shape;195;p7:notes"/>
+          <p:cNvSpPr txBox="1">
+            <a:spLocks noGrp="1"/>
+          </p:cNvSpPr>
+          <p:nvPr>
+            <p:ph type="body" idx="1"/>
+          </p:nvPr>
+        </p:nvSpPr>
+        <p:spPr>
+          <a:xfrm>
+            <a:off x="685800" y="4400550"/>
+            <a:ext cx="5486400" cy="3600450"/>
+          </a:xfrm>
+          <a:prstGeom prst="rect">
+            <a:avLst/>
+          </a:prstGeom>
+          <a:noFill/>
+          <a:ln>
+            <a:noFill/>
+          </a:ln>
+        </p:spPr>
+        <p:txBody>
+          <a:bodyPr spcFirstLastPara="1" wrap="square" lIns="91425" tIns="45700" rIns="91425" bIns="45700" anchor="t" anchorCtr="0">
+            <a:noAutofit/>
+          </a:bodyPr>
+          <a:lstStyle/>
+          <a:p>
+            <a:pPr marL="0" lvl="0" indent="0" algn="l" rtl="0">
+              <a:lnSpc>
+                <a:spcPct val="100000"/>
+              </a:lnSpc>
+              <a:spcBef>
+                <a:spcPts val="0"/>
+              </a:spcBef>
+              <a:spcAft>
+                <a:spcPts val="0"/>
+              </a:spcAft>
+              <a:buSzPts val="1400"/>
+              <a:buNone/>
+            </a:pPr>
+            <a:endParaRPr/>
+          </a:p>
+        </p:txBody>
+      </p:sp>
+      <p:sp>
+        <p:nvSpPr>
+          <p:cNvPr id="196" name="Google Shape;196;p7:notes"/>
+          <p:cNvSpPr>
+            <a:spLocks noGrp="1" noRot="1" noChangeAspect="1"/>
+          </p:cNvSpPr>
+          <p:nvPr>
+            <p:ph type="sldImg" idx="2"/>
+          </p:nvPr>
+        </p:nvSpPr>
+        <p:spPr>
+          <a:xfrm>
+            <a:off x="685800" y="1143000"/>
+            <a:ext cx="5486400" cy="3086100"/>
+          </a:xfrm>
+          <a:custGeom>
+            <a:avLst/>
+            <a:gdLst/>
+            <a:ahLst/>
+            <a:cxnLst/>
+            <a:rect l="l" t="t" r="r" b="b"/>
+            <a:pathLst>
+              <a:path w="120000" h="120000" extrusionOk="0">
+                <a:moveTo>
+                  <a:pt x="0" y="0"/>
+                </a:moveTo>
+                <a:lnTo>
+                  <a:pt x="120000" y="0"/>
+                </a:lnTo>
+                <a:lnTo>
+                  <a:pt x="120000" y="120000"/>
+                </a:lnTo>
+                <a:lnTo>
+                  <a:pt x="0" y="120000"/>
+                </a:lnTo>
+                <a:close/>
+              </a:path>
+            </a:pathLst>
+          </a:custGeom>
+          <a:noFill/>
+          <a:ln w="12700" cap="flat" cmpd="sng">
+            <a:solidFill>
+              <a:srgbClr val="000000"/>
+            </a:solidFill>
+            <a:prstDash val="solid"/>
+            <a:round/>
+            <a:headEnd type="none" w="sm" len="sm"/>
+            <a:tailEnd type="none" w="sm" len="sm"/>
+          </a:ln>
+        </p:spPr>
+      </p:sp>
+    </p:spTree>
+  </p:cSld>
+  <p:clrMapOvr>
+    <a:masterClrMapping/>
+  </p:clrMapOvr>
+</p:notes>
+</file>
+
+<file path=ppt/notesSlides/notesSlide7.xml><?xml version="1.0" encoding="utf-8"?>
+<p:notes xmlns:a="http://schemas.openxmlformats.org/drawingml/2006/main" xmlns:r="http://schemas.openxmlformats.org/officeDocument/2006/relationships" xmlns:p="http://schemas.openxmlformats.org/presentationml/2006/main" showMasterSp="0" showMasterPhAnim="0">
+  <p:cSld>
+    <p:spTree>
+      <p:nvGrpSpPr>
+        <p:cNvPr id="1" name="Shape 194"/>
+        <p:cNvGrpSpPr/>
+        <p:nvPr/>
+      </p:nvGrpSpPr>
+      <p:grpSpPr>
+        <a:xfrm>
+          <a:off x="0" y="0"/>
+          <a:ext cx="0" cy="0"/>
+          <a:chOff x="0" y="0"/>
+          <a:chExt cx="0" cy="0"/>
+        </a:xfrm>
+      </p:grpSpPr>
+      <p:sp>
+        <p:nvSpPr>
+          <p:cNvPr id="195" name="Google Shape;195;p7:notes"/>
+          <p:cNvSpPr txBox="1">
+            <a:spLocks noGrp="1"/>
+          </p:cNvSpPr>
+          <p:nvPr>
+            <p:ph type="body" idx="1"/>
+          </p:nvPr>
+        </p:nvSpPr>
+        <p:spPr>
+          <a:xfrm>
+            <a:off x="685800" y="4400550"/>
+            <a:ext cx="5486400" cy="3600450"/>
+          </a:xfrm>
+          <a:prstGeom prst="rect">
+            <a:avLst/>
+          </a:prstGeom>
+          <a:noFill/>
+          <a:ln>
+            <a:noFill/>
+          </a:ln>
+        </p:spPr>
+        <p:txBody>
+          <a:bodyPr spcFirstLastPara="1" wrap="square" lIns="91425" tIns="45700" rIns="91425" bIns="45700" anchor="t" anchorCtr="0">
+            <a:noAutofit/>
+          </a:bodyPr>
+          <a:lstStyle/>
+          <a:p>
+            <a:pPr marL="0" lvl="0" indent="0" algn="l" rtl="0">
+              <a:lnSpc>
+                <a:spcPct val="100000"/>
+              </a:lnSpc>
+              <a:spcBef>
+                <a:spcPts val="0"/>
+              </a:spcBef>
+              <a:spcAft>
+                <a:spcPts val="0"/>
+              </a:spcAft>
+              <a:buSzPts val="1400"/>
+              <a:buNone/>
+            </a:pPr>
+            <a:endParaRPr/>
+          </a:p>
+        </p:txBody>
+      </p:sp>
+      <p:sp>
+        <p:nvSpPr>
+          <p:cNvPr id="196" name="Google Shape;196;p7:notes"/>
+          <p:cNvSpPr>
+            <a:spLocks noGrp="1" noRot="1" noChangeAspect="1"/>
+          </p:cNvSpPr>
+          <p:nvPr>
+            <p:ph type="sldImg" idx="2"/>
+          </p:nvPr>
+        </p:nvSpPr>
+        <p:spPr>
+          <a:xfrm>
+            <a:off x="685800" y="1143000"/>
+            <a:ext cx="5486400" cy="3086100"/>
+          </a:xfrm>
+          <a:custGeom>
+            <a:avLst/>
+            <a:gdLst/>
+            <a:ahLst/>
+            <a:cxnLst/>
+            <a:rect l="l" t="t" r="r" b="b"/>
+            <a:pathLst>
+              <a:path w="120000" h="120000" extrusionOk="0">
+                <a:moveTo>
+                  <a:pt x="0" y="0"/>
+                </a:moveTo>
+                <a:lnTo>
+                  <a:pt x="120000" y="0"/>
+                </a:lnTo>
+                <a:lnTo>
+                  <a:pt x="120000" y="120000"/>
+                </a:lnTo>
+                <a:lnTo>
+                  <a:pt x="0" y="120000"/>
+                </a:lnTo>
+                <a:close/>
+              </a:path>
+            </a:pathLst>
+          </a:custGeom>
+          <a:noFill/>
+          <a:ln w="12700" cap="flat" cmpd="sng">
+            <a:solidFill>
+              <a:srgbClr val="000000"/>
+            </a:solidFill>
+            <a:prstDash val="solid"/>
+            <a:round/>
+            <a:headEnd type="none" w="sm" len="sm"/>
+            <a:tailEnd type="none" w="sm" len="sm"/>
+          </a:ln>
+        </p:spPr>
+      </p:sp>
+    </p:spTree>
+    <p:extLst>
+      <p:ext uri="{BB962C8B-B14F-4D97-AF65-F5344CB8AC3E}">
+        <p14:creationId xmlns:p14="http://schemas.microsoft.com/office/powerpoint/2010/main" val="2200158978"/>
+      </p:ext>
+    </p:extLst>
+  </p:cSld>
+  <p:clrMapOvr>
+    <a:masterClrMapping/>
+  </p:clrMapOvr>
+</p:notes>
+</file>
+
+<file path=ppt/notesSlides/notesSlide8.xml><?xml version="1.0" encoding="utf-8"?>
+<p:notes xmlns:a="http://schemas.openxmlformats.org/drawingml/2006/main" xmlns:r="http://schemas.openxmlformats.org/officeDocument/2006/relationships" xmlns:p="http://schemas.openxmlformats.org/presentationml/2006/main" showMasterSp="0" showMasterPhAnim="0">
+  <p:cSld>
+    <p:spTree>
+      <p:nvGrpSpPr>
         <p:cNvPr id="1" name="Shape 221"/>
         <p:cNvGrpSpPr/>
         <p:nvPr/>
@@ -1519,12 +2277,12 @@
 </p:notes>
 </file>
 
-<file path=ppt/notesSlides/notesSlide7.xml><?xml version="1.0" encoding="utf-8"?>
+<file path=ppt/notesSlides/notesSlide9.xml><?xml version="1.0" encoding="utf-8"?>
 <p:notes xmlns:a="http://schemas.openxmlformats.org/drawingml/2006/main" xmlns:r="http://schemas.openxmlformats.org/officeDocument/2006/relationships" xmlns:p="http://schemas.openxmlformats.org/presentationml/2006/main" showMasterSp="0" showMasterPhAnim="0">
   <p:cSld>
     <p:spTree>
       <p:nvGrpSpPr>
-        <p:cNvPr id="1" name="Shape 238"/>
+        <p:cNvPr id="1" name="Shape 194"/>
         <p:cNvGrpSpPr/>
         <p:nvPr/>
       </p:nvGrpSpPr>
@@ -1538,7 +2296,7 @@
       </p:grpSpPr>
       <p:sp>
         <p:nvSpPr>
-          <p:cNvPr id="239" name="Google Shape;239;g12ac36f96a7_2_183:notes"/>
+          <p:cNvPr id="195" name="Google Shape;195;p7:notes"/>
           <p:cNvSpPr txBox="1">
             <a:spLocks noGrp="1"/>
           </p:cNvSpPr>
@@ -1584,7 +2342,7 @@
       </p:sp>
       <p:sp>
         <p:nvSpPr>
-          <p:cNvPr id="240" name="Google Shape;240;g12ac36f96a7_2_183:notes"/>
+          <p:cNvPr id="196" name="Google Shape;196;p7:notes"/>
           <p:cNvSpPr>
             <a:spLocks noGrp="1" noRot="1" noChangeAspect="1"/>
           </p:cNvSpPr>
@@ -1634,6 +2392,11 @@
         </p:spPr>
       </p:sp>
     </p:spTree>
+    <p:extLst>
+      <p:ext uri="{BB962C8B-B14F-4D97-AF65-F5344CB8AC3E}">
+        <p14:creationId xmlns:p14="http://schemas.microsoft.com/office/powerpoint/2010/main" val="3476345346"/>
+      </p:ext>
+    </p:extLst>
   </p:cSld>
   <p:clrMapOvr>
     <a:masterClrMapping/>
@@ -27846,6 +28609,1295 @@
 </p:sld>
 </file>
 
+<file path=ppt/slides/slide10.xml><?xml version="1.0" encoding="utf-8"?>
+<p:sld xmlns:a="http://schemas.openxmlformats.org/drawingml/2006/main" xmlns:r="http://schemas.openxmlformats.org/officeDocument/2006/relationships" xmlns:p="http://schemas.openxmlformats.org/presentationml/2006/main">
+  <p:cSld>
+    <p:spTree>
+      <p:nvGrpSpPr>
+        <p:cNvPr id="1" name="Shape 204"/>
+        <p:cNvGrpSpPr/>
+        <p:nvPr/>
+      </p:nvGrpSpPr>
+      <p:grpSpPr>
+        <a:xfrm>
+          <a:off x="0" y="0"/>
+          <a:ext cx="0" cy="0"/>
+          <a:chOff x="0" y="0"/>
+          <a:chExt cx="0" cy="0"/>
+        </a:xfrm>
+      </p:grpSpPr>
+      <p:sp>
+        <p:nvSpPr>
+          <p:cNvPr id="205" name="Google Shape;205;p8"/>
+          <p:cNvSpPr/>
+          <p:nvPr/>
+        </p:nvSpPr>
+        <p:spPr>
+          <a:xfrm>
+            <a:off x="0" y="0"/>
+            <a:ext cx="9144000" cy="5143500"/>
+          </a:xfrm>
+          <a:prstGeom prst="rect">
+            <a:avLst/>
+          </a:prstGeom>
+          <a:solidFill>
+            <a:srgbClr val="2F0E3C"/>
+          </a:solidFill>
+          <a:ln>
+            <a:noFill/>
+          </a:ln>
+        </p:spPr>
+        <p:txBody>
+          <a:bodyPr spcFirstLastPara="1" wrap="square" lIns="61219" tIns="30600" rIns="61219" bIns="30600" anchor="t" anchorCtr="0">
+            <a:noAutofit/>
+          </a:bodyPr>
+          <a:lstStyle/>
+          <a:p>
+            <a:pPr>
+              <a:buSzPts val="1633"/>
+            </a:pPr>
+            <a:endParaRPr sz="1225"/>
+          </a:p>
+        </p:txBody>
+      </p:sp>
+      <p:sp>
+        <p:nvSpPr>
+          <p:cNvPr id="206" name="Google Shape;206;p8"/>
+          <p:cNvSpPr/>
+          <p:nvPr/>
+        </p:nvSpPr>
+        <p:spPr>
+          <a:xfrm>
+            <a:off x="1889889" y="285751"/>
+            <a:ext cx="5364221" cy="331158"/>
+          </a:xfrm>
+          <a:prstGeom prst="rect">
+            <a:avLst/>
+          </a:prstGeom>
+          <a:noFill/>
+          <a:ln>
+            <a:noFill/>
+          </a:ln>
+        </p:spPr>
+        <p:txBody>
+          <a:bodyPr spcFirstLastPara="1" wrap="square" lIns="61219" tIns="30600" rIns="61219" bIns="30600" anchor="t" anchorCtr="0">
+            <a:noAutofit/>
+          </a:bodyPr>
+          <a:lstStyle/>
+          <a:p>
+            <a:pPr algn="ctr">
+              <a:lnSpc>
+                <a:spcPct val="54000"/>
+              </a:lnSpc>
+              <a:buSzPts val="1633"/>
+            </a:pPr>
+            <a:r>
+              <a:rPr lang="en-US" sz="2100" b="1" dirty="0">
+                <a:solidFill>
+                  <a:schemeClr val="bg1"/>
+                </a:solidFill>
+                <a:latin typeface="Times New Roman" panose="02020603050405020304" pitchFamily="18" charset="0"/>
+                <a:cs typeface="Times New Roman" panose="02020603050405020304" pitchFamily="18" charset="0"/>
+              </a:rPr>
+              <a:t>Deployment of code</a:t>
+            </a:r>
+            <a:endParaRPr sz="2100" b="1" dirty="0">
+              <a:solidFill>
+                <a:schemeClr val="bg1"/>
+              </a:solidFill>
+              <a:latin typeface="Times New Roman" panose="02020603050405020304" pitchFamily="18" charset="0"/>
+              <a:cs typeface="Times New Roman" panose="02020603050405020304" pitchFamily="18" charset="0"/>
+            </a:endParaRPr>
+          </a:p>
+        </p:txBody>
+      </p:sp>
+      <p:pic>
+        <p:nvPicPr>
+          <p:cNvPr id="207" name="Google Shape;207;p8"/>
+          <p:cNvPicPr preferRelativeResize="0"/>
+          <p:nvPr/>
+        </p:nvPicPr>
+        <p:blipFill rotWithShape="1">
+          <a:blip r:embed="rId3">
+            <a:alphaModFix/>
+          </a:blip>
+          <a:srcRect/>
+          <a:stretch/>
+        </p:blipFill>
+        <p:spPr>
+          <a:xfrm>
+            <a:off x="3787983" y="4614653"/>
+            <a:ext cx="1369702" cy="331158"/>
+          </a:xfrm>
+          <a:prstGeom prst="rect">
+            <a:avLst/>
+          </a:prstGeom>
+          <a:noFill/>
+          <a:ln>
+            <a:noFill/>
+          </a:ln>
+        </p:spPr>
+      </p:pic>
+      <p:sp>
+        <p:nvSpPr>
+          <p:cNvPr id="2" name="TextBox 1">
+            <a:extLst>
+              <a:ext uri="{FF2B5EF4-FFF2-40B4-BE49-F238E27FC236}">
+                <a16:creationId xmlns:a16="http://schemas.microsoft.com/office/drawing/2014/main" id="{FF30B68E-C42F-5E27-F806-D06A984B77D6}"/>
+              </a:ext>
+            </a:extLst>
+          </p:cNvPr>
+          <p:cNvSpPr txBox="1"/>
+          <p:nvPr/>
+        </p:nvSpPr>
+        <p:spPr>
+          <a:xfrm>
+            <a:off x="450056" y="692944"/>
+            <a:ext cx="8279607" cy="3323987"/>
+          </a:xfrm>
+          <a:prstGeom prst="rect">
+            <a:avLst/>
+          </a:prstGeom>
+          <a:noFill/>
+        </p:spPr>
+        <p:txBody>
+          <a:bodyPr wrap="square" rtlCol="0">
+            <a:spAutoFit/>
+          </a:bodyPr>
+          <a:lstStyle/>
+          <a:p>
+            <a:r>
+              <a:rPr lang="en-US" sz="1800" dirty="0">
+                <a:solidFill>
+                  <a:schemeClr val="bg1"/>
+                </a:solidFill>
+                <a:latin typeface="Times New Roman" panose="02020603050405020304" pitchFamily="18" charset="0"/>
+                <a:cs typeface="Times New Roman" panose="02020603050405020304" pitchFamily="18" charset="0"/>
+              </a:rPr>
+              <a:t>Scope of Work of the PoC</a:t>
+            </a:r>
+          </a:p>
+          <a:p>
+            <a:pPr marL="285750" indent="-285750">
+              <a:buClr>
+                <a:schemeClr val="bg1"/>
+              </a:buClr>
+              <a:buFont typeface="Arial" panose="020B0604020202020204" pitchFamily="34" charset="0"/>
+              <a:buChar char="•"/>
+            </a:pPr>
+            <a:r>
+              <a:rPr lang="en-US" sz="1600" dirty="0">
+                <a:solidFill>
+                  <a:schemeClr val="bg1"/>
+                </a:solidFill>
+                <a:latin typeface="Times New Roman" panose="02020603050405020304" pitchFamily="18" charset="0"/>
+                <a:cs typeface="Times New Roman" panose="02020603050405020304" pitchFamily="18" charset="0"/>
+              </a:rPr>
+              <a:t>Given the requirements, the prototype is designed to be used to store and retrieve high volume videos securely and at faster rates which is the initial steps needed for </a:t>
+            </a:r>
+            <a:r>
+              <a:rPr lang="en-US" sz="1600" b="0" i="0" dirty="0">
+                <a:solidFill>
+                  <a:schemeClr val="bg1"/>
+                </a:solidFill>
+                <a:effectLst/>
+                <a:latin typeface="Times New Roman" panose="02020603050405020304" pitchFamily="18" charset="0"/>
+                <a:cs typeface="Times New Roman" panose="02020603050405020304" pitchFamily="18" charset="0"/>
+              </a:rPr>
+              <a:t>Video Based Customer Identification Process (V-CIP). </a:t>
+            </a:r>
+          </a:p>
+          <a:p>
+            <a:pPr marL="285750" indent="-285750">
+              <a:buClr>
+                <a:schemeClr val="bg1"/>
+              </a:buClr>
+              <a:buFont typeface="Arial" panose="020B0604020202020204" pitchFamily="34" charset="0"/>
+              <a:buChar char="•"/>
+            </a:pPr>
+            <a:r>
+              <a:rPr lang="en-US" sz="1600" dirty="0">
+                <a:solidFill>
+                  <a:schemeClr val="bg1"/>
+                </a:solidFill>
+                <a:latin typeface="Times New Roman" panose="02020603050405020304" pitchFamily="18" charset="0"/>
+                <a:cs typeface="Times New Roman" panose="02020603050405020304" pitchFamily="18" charset="0"/>
+              </a:rPr>
+              <a:t>The generated video by the banks are usually of larger sizes and needs to be encrypted and stored in an effective manner, this being the main objective of the prototype, it aims at reducing the final video size and also the rates at which the whole process should be completed.</a:t>
+            </a:r>
+            <a:endParaRPr lang="en-IN" sz="1600" dirty="0">
+              <a:solidFill>
+                <a:schemeClr val="bg1"/>
+              </a:solidFill>
+              <a:latin typeface="Times New Roman" panose="02020603050405020304" pitchFamily="18" charset="0"/>
+              <a:cs typeface="Times New Roman" panose="02020603050405020304" pitchFamily="18" charset="0"/>
+            </a:endParaRPr>
+          </a:p>
+          <a:p>
+            <a:endParaRPr lang="en-IN" sz="1600" dirty="0">
+              <a:solidFill>
+                <a:schemeClr val="bg1"/>
+              </a:solidFill>
+              <a:latin typeface="Times New Roman" panose="02020603050405020304" pitchFamily="18" charset="0"/>
+              <a:cs typeface="Times New Roman" panose="02020603050405020304" pitchFamily="18" charset="0"/>
+            </a:endParaRPr>
+          </a:p>
+          <a:p>
+            <a:r>
+              <a:rPr lang="en-IN" sz="1800" dirty="0">
+                <a:solidFill>
+                  <a:schemeClr val="bg1"/>
+                </a:solidFill>
+                <a:latin typeface="Times New Roman" panose="02020603050405020304" pitchFamily="18" charset="0"/>
+                <a:cs typeface="Times New Roman" panose="02020603050405020304" pitchFamily="18" charset="0"/>
+              </a:rPr>
+              <a:t>Pre-requisites from the Bank</a:t>
+            </a:r>
+            <a:endParaRPr lang="en-US" sz="1800" dirty="0">
+              <a:solidFill>
+                <a:schemeClr val="bg1"/>
+              </a:solidFill>
+              <a:latin typeface="Times New Roman" panose="02020603050405020304" pitchFamily="18" charset="0"/>
+              <a:cs typeface="Times New Roman" panose="02020603050405020304" pitchFamily="18" charset="0"/>
+            </a:endParaRPr>
+          </a:p>
+          <a:p>
+            <a:pPr marL="285750" indent="-285750">
+              <a:buClr>
+                <a:schemeClr val="bg1"/>
+              </a:buClr>
+              <a:buFont typeface="Arial" panose="020B0604020202020204" pitchFamily="34" charset="0"/>
+              <a:buChar char="•"/>
+            </a:pPr>
+            <a:r>
+              <a:rPr lang="en-US" sz="1600" dirty="0">
+                <a:solidFill>
+                  <a:schemeClr val="bg1"/>
+                </a:solidFill>
+                <a:latin typeface="Times New Roman" panose="02020603050405020304" pitchFamily="18" charset="0"/>
+                <a:cs typeface="Times New Roman" panose="02020603050405020304" pitchFamily="18" charset="0"/>
+              </a:rPr>
+              <a:t>Cosmos database – needed to store the status of video compression process of a given video</a:t>
+            </a:r>
+          </a:p>
+          <a:p>
+            <a:pPr marL="285750" indent="-285750">
+              <a:buClr>
+                <a:schemeClr val="bg1"/>
+              </a:buClr>
+              <a:buFont typeface="Arial" panose="020B0604020202020204" pitchFamily="34" charset="0"/>
+              <a:buChar char="•"/>
+            </a:pPr>
+            <a:r>
+              <a:rPr lang="en-US" sz="1600" dirty="0">
+                <a:solidFill>
+                  <a:schemeClr val="bg1"/>
+                </a:solidFill>
+                <a:latin typeface="Times New Roman" panose="02020603050405020304" pitchFamily="18" charset="0"/>
+                <a:cs typeface="Times New Roman" panose="02020603050405020304" pitchFamily="18" charset="0"/>
+              </a:rPr>
+              <a:t>Two Azure Blob storage containers – for storing and retrieving the compressed and encrypted video</a:t>
+            </a:r>
+          </a:p>
+          <a:p>
+            <a:pPr marL="285750" indent="-285750">
+              <a:buClr>
+                <a:schemeClr val="bg1"/>
+              </a:buClr>
+              <a:buFont typeface="Arial" panose="020B0604020202020204" pitchFamily="34" charset="0"/>
+              <a:buChar char="•"/>
+            </a:pPr>
+            <a:r>
+              <a:rPr lang="en-IN" sz="1600" dirty="0">
+                <a:solidFill>
+                  <a:schemeClr val="bg1"/>
+                </a:solidFill>
+                <a:latin typeface="Times New Roman" panose="02020603050405020304" pitchFamily="18" charset="0"/>
+                <a:cs typeface="Times New Roman" panose="02020603050405020304" pitchFamily="18" charset="0"/>
+              </a:rPr>
+              <a:t>Azure functions – trigger for blob storage, Cosmos DB and HTTP trigger</a:t>
+            </a:r>
+          </a:p>
+        </p:txBody>
+      </p:sp>
+    </p:spTree>
+    <p:extLst>
+      <p:ext uri="{BB962C8B-B14F-4D97-AF65-F5344CB8AC3E}">
+        <p14:creationId xmlns:p14="http://schemas.microsoft.com/office/powerpoint/2010/main" val="3657618402"/>
+      </p:ext>
+    </p:extLst>
+  </p:cSld>
+  <p:clrMapOvr>
+    <a:masterClrMapping/>
+  </p:clrMapOvr>
+</p:sld>
+</file>
+
+<file path=ppt/slides/slide11.xml><?xml version="1.0" encoding="utf-8"?>
+<p:sld xmlns:a="http://schemas.openxmlformats.org/drawingml/2006/main" xmlns:r="http://schemas.openxmlformats.org/officeDocument/2006/relationships" xmlns:p="http://schemas.openxmlformats.org/presentationml/2006/main">
+  <p:cSld>
+    <p:spTree>
+      <p:nvGrpSpPr>
+        <p:cNvPr id="1" name="Shape 204"/>
+        <p:cNvGrpSpPr/>
+        <p:nvPr/>
+      </p:nvGrpSpPr>
+      <p:grpSpPr>
+        <a:xfrm>
+          <a:off x="0" y="0"/>
+          <a:ext cx="0" cy="0"/>
+          <a:chOff x="0" y="0"/>
+          <a:chExt cx="0" cy="0"/>
+        </a:xfrm>
+      </p:grpSpPr>
+      <p:sp>
+        <p:nvSpPr>
+          <p:cNvPr id="205" name="Google Shape;205;p8"/>
+          <p:cNvSpPr/>
+          <p:nvPr/>
+        </p:nvSpPr>
+        <p:spPr>
+          <a:xfrm>
+            <a:off x="0" y="0"/>
+            <a:ext cx="9144000" cy="5143500"/>
+          </a:xfrm>
+          <a:prstGeom prst="rect">
+            <a:avLst/>
+          </a:prstGeom>
+          <a:solidFill>
+            <a:srgbClr val="2F0E3C"/>
+          </a:solidFill>
+          <a:ln>
+            <a:noFill/>
+          </a:ln>
+        </p:spPr>
+        <p:txBody>
+          <a:bodyPr spcFirstLastPara="1" wrap="square" lIns="61219" tIns="30600" rIns="61219" bIns="30600" anchor="t" anchorCtr="0">
+            <a:noAutofit/>
+          </a:bodyPr>
+          <a:lstStyle/>
+          <a:p>
+            <a:pPr>
+              <a:buSzPts val="1633"/>
+            </a:pPr>
+            <a:endParaRPr sz="1225"/>
+          </a:p>
+        </p:txBody>
+      </p:sp>
+      <p:pic>
+        <p:nvPicPr>
+          <p:cNvPr id="207" name="Google Shape;207;p8"/>
+          <p:cNvPicPr preferRelativeResize="0"/>
+          <p:nvPr/>
+        </p:nvPicPr>
+        <p:blipFill rotWithShape="1">
+          <a:blip r:embed="rId3">
+            <a:alphaModFix/>
+          </a:blip>
+          <a:srcRect/>
+          <a:stretch/>
+        </p:blipFill>
+        <p:spPr>
+          <a:xfrm>
+            <a:off x="3787983" y="4614653"/>
+            <a:ext cx="1369702" cy="331158"/>
+          </a:xfrm>
+          <a:prstGeom prst="rect">
+            <a:avLst/>
+          </a:prstGeom>
+          <a:noFill/>
+          <a:ln>
+            <a:noFill/>
+          </a:ln>
+        </p:spPr>
+      </p:pic>
+      <p:sp>
+        <p:nvSpPr>
+          <p:cNvPr id="3" name="TextBox 2">
+            <a:extLst>
+              <a:ext uri="{FF2B5EF4-FFF2-40B4-BE49-F238E27FC236}">
+                <a16:creationId xmlns:a16="http://schemas.microsoft.com/office/drawing/2014/main" id="{443A1D11-31A4-6D37-0618-8DF5BFBC7C6C}"/>
+              </a:ext>
+            </a:extLst>
+          </p:cNvPr>
+          <p:cNvSpPr txBox="1"/>
+          <p:nvPr/>
+        </p:nvSpPr>
+        <p:spPr>
+          <a:xfrm>
+            <a:off x="610790" y="523667"/>
+            <a:ext cx="7922419" cy="1846659"/>
+          </a:xfrm>
+          <a:prstGeom prst="rect">
+            <a:avLst/>
+          </a:prstGeom>
+          <a:noFill/>
+        </p:spPr>
+        <p:txBody>
+          <a:bodyPr wrap="square" rtlCol="0">
+            <a:spAutoFit/>
+          </a:bodyPr>
+          <a:lstStyle/>
+          <a:p>
+            <a:r>
+              <a:rPr lang="en-US" sz="1800" dirty="0">
+                <a:solidFill>
+                  <a:schemeClr val="bg1"/>
+                </a:solidFill>
+                <a:latin typeface="Times New Roman" panose="02020603050405020304" pitchFamily="18" charset="0"/>
+                <a:cs typeface="Times New Roman" panose="02020603050405020304" pitchFamily="18" charset="0"/>
+              </a:rPr>
+              <a:t>Infrastructure Requirements</a:t>
+            </a:r>
+          </a:p>
+          <a:p>
+            <a:pPr marL="285750" indent="-285750">
+              <a:buClr>
+                <a:schemeClr val="bg1"/>
+              </a:buClr>
+              <a:buFont typeface="Arial" panose="020B0604020202020204" pitchFamily="34" charset="0"/>
+              <a:buChar char="•"/>
+            </a:pPr>
+            <a:r>
+              <a:rPr lang="en-US" sz="1600" dirty="0">
+                <a:solidFill>
+                  <a:schemeClr val="bg1"/>
+                </a:solidFill>
+                <a:latin typeface="Times New Roman" panose="02020603050405020304" pitchFamily="18" charset="0"/>
+                <a:cs typeface="Times New Roman" panose="02020603050405020304" pitchFamily="18" charset="0"/>
+              </a:rPr>
+              <a:t>Hight end systems are not required for executing the prototype.</a:t>
+            </a:r>
+          </a:p>
+          <a:p>
+            <a:pPr marL="285750" indent="-285750">
+              <a:buClr>
+                <a:schemeClr val="bg1"/>
+              </a:buClr>
+              <a:buFont typeface="Arial" panose="020B0604020202020204" pitchFamily="34" charset="0"/>
+              <a:buChar char="•"/>
+            </a:pPr>
+            <a:r>
+              <a:rPr lang="en-US" sz="1600" dirty="0">
+                <a:solidFill>
+                  <a:schemeClr val="bg1"/>
+                </a:solidFill>
+                <a:latin typeface="Times New Roman" panose="02020603050405020304" pitchFamily="18" charset="0"/>
+                <a:cs typeface="Times New Roman" panose="02020603050405020304" pitchFamily="18" charset="0"/>
+              </a:rPr>
+              <a:t>On-premise GPU’s won’t be required for the compression model as every function will be executed through Azure functions.</a:t>
+            </a:r>
+          </a:p>
+          <a:p>
+            <a:pPr>
+              <a:buClr>
+                <a:schemeClr val="bg1"/>
+              </a:buClr>
+            </a:pPr>
+            <a:endParaRPr lang="en-US" sz="1600" dirty="0">
+              <a:solidFill>
+                <a:schemeClr val="bg1"/>
+              </a:solidFill>
+              <a:latin typeface="Times New Roman" panose="02020603050405020304" pitchFamily="18" charset="0"/>
+              <a:cs typeface="Times New Roman" panose="02020603050405020304" pitchFamily="18" charset="0"/>
+            </a:endParaRPr>
+          </a:p>
+          <a:p>
+            <a:pPr>
+              <a:buClr>
+                <a:schemeClr val="bg1"/>
+              </a:buClr>
+            </a:pPr>
+            <a:endParaRPr lang="en-US" sz="1600" dirty="0">
+              <a:solidFill>
+                <a:schemeClr val="bg1"/>
+              </a:solidFill>
+              <a:latin typeface="Times New Roman" panose="02020603050405020304" pitchFamily="18" charset="0"/>
+              <a:cs typeface="Times New Roman" panose="02020603050405020304" pitchFamily="18" charset="0"/>
+            </a:endParaRPr>
+          </a:p>
+          <a:p>
+            <a:pPr marL="285750" indent="-285750">
+              <a:buClr>
+                <a:schemeClr val="bg1"/>
+              </a:buClr>
+              <a:buFont typeface="Arial" panose="020B0604020202020204" pitchFamily="34" charset="0"/>
+              <a:buChar char="•"/>
+            </a:pPr>
+            <a:endParaRPr lang="en-IN" sz="1600" dirty="0">
+              <a:solidFill>
+                <a:schemeClr val="bg1"/>
+              </a:solidFill>
+              <a:latin typeface="Times New Roman" panose="02020603050405020304" pitchFamily="18" charset="0"/>
+              <a:cs typeface="Times New Roman" panose="02020603050405020304" pitchFamily="18" charset="0"/>
+            </a:endParaRPr>
+          </a:p>
+        </p:txBody>
+      </p:sp>
+    </p:spTree>
+    <p:extLst>
+      <p:ext uri="{BB962C8B-B14F-4D97-AF65-F5344CB8AC3E}">
+        <p14:creationId xmlns:p14="http://schemas.microsoft.com/office/powerpoint/2010/main" val="3583356777"/>
+      </p:ext>
+    </p:extLst>
+  </p:cSld>
+  <p:clrMapOvr>
+    <a:masterClrMapping/>
+  </p:clrMapOvr>
+</p:sld>
+</file>
+
+<file path=ppt/slides/slide12.xml><?xml version="1.0" encoding="utf-8"?>
+<p:sld xmlns:a="http://schemas.openxmlformats.org/drawingml/2006/main" xmlns:r="http://schemas.openxmlformats.org/officeDocument/2006/relationships" xmlns:p="http://schemas.openxmlformats.org/presentationml/2006/main">
+  <p:cSld>
+    <p:spTree>
+      <p:nvGrpSpPr>
+        <p:cNvPr id="1" name="Shape 204"/>
+        <p:cNvGrpSpPr/>
+        <p:nvPr/>
+      </p:nvGrpSpPr>
+      <p:grpSpPr>
+        <a:xfrm>
+          <a:off x="0" y="0"/>
+          <a:ext cx="0" cy="0"/>
+          <a:chOff x="0" y="0"/>
+          <a:chExt cx="0" cy="0"/>
+        </a:xfrm>
+      </p:grpSpPr>
+      <p:sp>
+        <p:nvSpPr>
+          <p:cNvPr id="205" name="Google Shape;205;p8"/>
+          <p:cNvSpPr/>
+          <p:nvPr/>
+        </p:nvSpPr>
+        <p:spPr>
+          <a:xfrm>
+            <a:off x="0" y="0"/>
+            <a:ext cx="9144000" cy="5143500"/>
+          </a:xfrm>
+          <a:prstGeom prst="rect">
+            <a:avLst/>
+          </a:prstGeom>
+          <a:solidFill>
+            <a:srgbClr val="2F0E3C"/>
+          </a:solidFill>
+          <a:ln>
+            <a:noFill/>
+          </a:ln>
+        </p:spPr>
+        <p:txBody>
+          <a:bodyPr spcFirstLastPara="1" wrap="square" lIns="61219" tIns="30600" rIns="61219" bIns="30600" anchor="t" anchorCtr="0">
+            <a:noAutofit/>
+          </a:bodyPr>
+          <a:lstStyle/>
+          <a:p>
+            <a:pPr>
+              <a:buSzPts val="1633"/>
+            </a:pPr>
+            <a:endParaRPr sz="1225"/>
+          </a:p>
+        </p:txBody>
+      </p:sp>
+      <p:sp>
+        <p:nvSpPr>
+          <p:cNvPr id="206" name="Google Shape;206;p8"/>
+          <p:cNvSpPr/>
+          <p:nvPr/>
+        </p:nvSpPr>
+        <p:spPr>
+          <a:xfrm>
+            <a:off x="1889889" y="314327"/>
+            <a:ext cx="5364221" cy="200024"/>
+          </a:xfrm>
+          <a:prstGeom prst="rect">
+            <a:avLst/>
+          </a:prstGeom>
+          <a:noFill/>
+          <a:ln>
+            <a:noFill/>
+          </a:ln>
+        </p:spPr>
+        <p:txBody>
+          <a:bodyPr spcFirstLastPara="1" wrap="square" lIns="61219" tIns="30600" rIns="61219" bIns="30600" anchor="t" anchorCtr="0">
+            <a:noAutofit/>
+          </a:bodyPr>
+          <a:lstStyle/>
+          <a:p>
+            <a:pPr algn="ctr">
+              <a:lnSpc>
+                <a:spcPct val="54000"/>
+              </a:lnSpc>
+              <a:buSzPts val="1633"/>
+            </a:pPr>
+            <a:r>
+              <a:rPr lang="en-US" sz="2100" dirty="0">
+                <a:solidFill>
+                  <a:schemeClr val="bg1"/>
+                </a:solidFill>
+                <a:latin typeface="Times New Roman" panose="02020603050405020304" pitchFamily="18" charset="0"/>
+                <a:cs typeface="Times New Roman" panose="02020603050405020304" pitchFamily="18" charset="0"/>
+              </a:rPr>
+              <a:t>POC Key Performance Indicators</a:t>
+            </a:r>
+            <a:endParaRPr sz="2100" dirty="0">
+              <a:solidFill>
+                <a:schemeClr val="bg1"/>
+              </a:solidFill>
+              <a:latin typeface="Times New Roman" panose="02020603050405020304" pitchFamily="18" charset="0"/>
+              <a:cs typeface="Times New Roman" panose="02020603050405020304" pitchFamily="18" charset="0"/>
+            </a:endParaRPr>
+          </a:p>
+        </p:txBody>
+      </p:sp>
+      <p:pic>
+        <p:nvPicPr>
+          <p:cNvPr id="207" name="Google Shape;207;p8"/>
+          <p:cNvPicPr preferRelativeResize="0"/>
+          <p:nvPr/>
+        </p:nvPicPr>
+        <p:blipFill rotWithShape="1">
+          <a:blip r:embed="rId3">
+            <a:alphaModFix/>
+          </a:blip>
+          <a:srcRect/>
+          <a:stretch/>
+        </p:blipFill>
+        <p:spPr>
+          <a:xfrm>
+            <a:off x="3787983" y="4614653"/>
+            <a:ext cx="1369702" cy="331158"/>
+          </a:xfrm>
+          <a:prstGeom prst="rect">
+            <a:avLst/>
+          </a:prstGeom>
+          <a:noFill/>
+          <a:ln>
+            <a:noFill/>
+          </a:ln>
+        </p:spPr>
+      </p:pic>
+      <p:sp>
+        <p:nvSpPr>
+          <p:cNvPr id="2" name="TextBox 1">
+            <a:extLst>
+              <a:ext uri="{FF2B5EF4-FFF2-40B4-BE49-F238E27FC236}">
+                <a16:creationId xmlns:a16="http://schemas.microsoft.com/office/drawing/2014/main" id="{F1962C31-3FAB-E572-E4CE-B2B8D6C353F5}"/>
+              </a:ext>
+            </a:extLst>
+          </p:cNvPr>
+          <p:cNvSpPr txBox="1"/>
+          <p:nvPr/>
+        </p:nvSpPr>
+        <p:spPr>
+          <a:xfrm>
+            <a:off x="592931" y="692944"/>
+            <a:ext cx="7922419" cy="1723549"/>
+          </a:xfrm>
+          <a:prstGeom prst="rect">
+            <a:avLst/>
+          </a:prstGeom>
+          <a:noFill/>
+        </p:spPr>
+        <p:txBody>
+          <a:bodyPr wrap="square" rtlCol="0">
+            <a:spAutoFit/>
+          </a:bodyPr>
+          <a:lstStyle/>
+          <a:p>
+            <a:r>
+              <a:rPr lang="en-US" sz="1800" dirty="0">
+                <a:solidFill>
+                  <a:schemeClr val="bg1"/>
+                </a:solidFill>
+                <a:latin typeface="Times New Roman" panose="02020603050405020304" pitchFamily="18" charset="0"/>
+                <a:cs typeface="Times New Roman" panose="02020603050405020304" pitchFamily="18" charset="0"/>
+              </a:rPr>
+              <a:t>Throughput of number of videos in 5 mins </a:t>
+            </a:r>
+            <a:r>
+              <a:rPr lang="en-US" sz="1800">
+                <a:solidFill>
+                  <a:schemeClr val="bg1"/>
+                </a:solidFill>
+                <a:latin typeface="Times New Roman" panose="02020603050405020304" pitchFamily="18" charset="0"/>
+                <a:cs typeface="Times New Roman" panose="02020603050405020304" pitchFamily="18" charset="0"/>
+              </a:rPr>
+              <a:t>– depends </a:t>
+            </a:r>
+            <a:r>
+              <a:rPr lang="en-US" sz="1800" dirty="0">
+                <a:solidFill>
+                  <a:schemeClr val="bg1"/>
+                </a:solidFill>
+                <a:latin typeface="Times New Roman" panose="02020603050405020304" pitchFamily="18" charset="0"/>
+                <a:cs typeface="Times New Roman" panose="02020603050405020304" pitchFamily="18" charset="0"/>
+              </a:rPr>
+              <a:t>on the input file size  </a:t>
+            </a:r>
+          </a:p>
+          <a:p>
+            <a:br>
+              <a:rPr lang="en-US" sz="1800" dirty="0">
+                <a:solidFill>
+                  <a:schemeClr val="bg1"/>
+                </a:solidFill>
+                <a:latin typeface="Times New Roman" panose="02020603050405020304" pitchFamily="18" charset="0"/>
+                <a:cs typeface="Times New Roman" panose="02020603050405020304" pitchFamily="18" charset="0"/>
+              </a:rPr>
+            </a:br>
+            <a:r>
+              <a:rPr lang="en-US" sz="1800" dirty="0">
+                <a:solidFill>
+                  <a:schemeClr val="bg1"/>
+                </a:solidFill>
+                <a:latin typeface="Times New Roman" panose="02020603050405020304" pitchFamily="18" charset="0"/>
+                <a:cs typeface="Times New Roman" panose="02020603050405020304" pitchFamily="18" charset="0"/>
+              </a:rPr>
+              <a:t>Size of final compressed video file – 1/3 the size of original video</a:t>
+            </a:r>
+          </a:p>
+          <a:p>
+            <a:endParaRPr lang="en-US" sz="1800" dirty="0">
+              <a:solidFill>
+                <a:schemeClr val="bg1"/>
+              </a:solidFill>
+              <a:latin typeface="Times New Roman" panose="02020603050405020304" pitchFamily="18" charset="0"/>
+              <a:cs typeface="Times New Roman" panose="02020603050405020304" pitchFamily="18" charset="0"/>
+            </a:endParaRPr>
+          </a:p>
+          <a:p>
+            <a:r>
+              <a:rPr lang="en-US" sz="1800" dirty="0">
+                <a:solidFill>
+                  <a:schemeClr val="bg1"/>
+                </a:solidFill>
+                <a:latin typeface="Times New Roman" panose="02020603050405020304" pitchFamily="18" charset="0"/>
+                <a:cs typeface="Times New Roman" panose="02020603050405020304" pitchFamily="18" charset="0"/>
+              </a:rPr>
+              <a:t>Throughput in mb per second – 1 mb/sec</a:t>
+            </a:r>
+          </a:p>
+          <a:p>
+            <a:endParaRPr lang="en-IN" sz="1600" dirty="0">
+              <a:solidFill>
+                <a:schemeClr val="bg1"/>
+              </a:solidFill>
+              <a:latin typeface="Times New Roman" panose="02020603050405020304" pitchFamily="18" charset="0"/>
+              <a:cs typeface="Times New Roman" panose="02020603050405020304" pitchFamily="18" charset="0"/>
+            </a:endParaRPr>
+          </a:p>
+        </p:txBody>
+      </p:sp>
+    </p:spTree>
+    <p:extLst>
+      <p:ext uri="{BB962C8B-B14F-4D97-AF65-F5344CB8AC3E}">
+        <p14:creationId xmlns:p14="http://schemas.microsoft.com/office/powerpoint/2010/main" val="71661964"/>
+      </p:ext>
+    </p:extLst>
+  </p:cSld>
+  <p:clrMapOvr>
+    <a:masterClrMapping/>
+  </p:clrMapOvr>
+</p:sld>
+</file>
+
+<file path=ppt/slides/slide13.xml><?xml version="1.0" encoding="utf-8"?>
+<p:sld xmlns:a="http://schemas.openxmlformats.org/drawingml/2006/main" xmlns:r="http://schemas.openxmlformats.org/officeDocument/2006/relationships" xmlns:p="http://schemas.openxmlformats.org/presentationml/2006/main">
+  <p:cSld>
+    <p:spTree>
+      <p:nvGrpSpPr>
+        <p:cNvPr id="1" name="Shape 241"/>
+        <p:cNvGrpSpPr/>
+        <p:nvPr/>
+      </p:nvGrpSpPr>
+      <p:grpSpPr>
+        <a:xfrm>
+          <a:off x="0" y="0"/>
+          <a:ext cx="0" cy="0"/>
+          <a:chOff x="0" y="0"/>
+          <a:chExt cx="0" cy="0"/>
+        </a:xfrm>
+      </p:grpSpPr>
+      <p:sp>
+        <p:nvSpPr>
+          <p:cNvPr id="242" name="Google Shape;242;p44"/>
+          <p:cNvSpPr/>
+          <p:nvPr/>
+        </p:nvSpPr>
+        <p:spPr>
+          <a:xfrm>
+            <a:off x="0" y="0"/>
+            <a:ext cx="9144000" cy="5143500"/>
+          </a:xfrm>
+          <a:prstGeom prst="rect">
+            <a:avLst/>
+          </a:prstGeom>
+          <a:solidFill>
+            <a:srgbClr val="2F0E3C"/>
+          </a:solidFill>
+          <a:ln>
+            <a:noFill/>
+          </a:ln>
+        </p:spPr>
+        <p:txBody>
+          <a:bodyPr spcFirstLastPara="1" wrap="square" lIns="68575" tIns="68575" rIns="68575" bIns="68575" anchor="ctr" anchorCtr="0">
+            <a:noAutofit/>
+          </a:bodyPr>
+          <a:lstStyle/>
+          <a:p>
+            <a:pPr marL="0" marR="0" lvl="0" indent="0" algn="l" rtl="0">
+              <a:lnSpc>
+                <a:spcPct val="100000"/>
+              </a:lnSpc>
+              <a:spcBef>
+                <a:spcPts val="0"/>
+              </a:spcBef>
+              <a:spcAft>
+                <a:spcPts val="0"/>
+              </a:spcAft>
+              <a:buClr>
+                <a:srgbClr val="000000"/>
+              </a:buClr>
+              <a:buSzPts val="1100"/>
+              <a:buFont typeface="Arial"/>
+              <a:buNone/>
+            </a:pPr>
+            <a:endParaRPr sz="1100" b="0" i="0" u="none" strike="noStrike" cap="none">
+              <a:solidFill>
+                <a:srgbClr val="000000"/>
+              </a:solidFill>
+              <a:latin typeface="Arial"/>
+              <a:ea typeface="Arial"/>
+              <a:cs typeface="Arial"/>
+              <a:sym typeface="Arial"/>
+            </a:endParaRPr>
+          </a:p>
+          <a:p>
+            <a:pPr marL="0" marR="0" lvl="0" indent="0" algn="l" rtl="0">
+              <a:lnSpc>
+                <a:spcPct val="100000"/>
+              </a:lnSpc>
+              <a:spcBef>
+                <a:spcPts val="0"/>
+              </a:spcBef>
+              <a:spcAft>
+                <a:spcPts val="0"/>
+              </a:spcAft>
+              <a:buClr>
+                <a:srgbClr val="000000"/>
+              </a:buClr>
+              <a:buSzPts val="1100"/>
+              <a:buFont typeface="Arial"/>
+              <a:buNone/>
+            </a:pPr>
+            <a:endParaRPr sz="1100" b="0" i="0" u="none" strike="noStrike" cap="none">
+              <a:solidFill>
+                <a:srgbClr val="000000"/>
+              </a:solidFill>
+              <a:latin typeface="Arial"/>
+              <a:ea typeface="Arial"/>
+              <a:cs typeface="Arial"/>
+              <a:sym typeface="Arial"/>
+            </a:endParaRPr>
+          </a:p>
+          <a:p>
+            <a:pPr marL="0" marR="0" lvl="0" indent="0" algn="l" rtl="0">
+              <a:lnSpc>
+                <a:spcPct val="100000"/>
+              </a:lnSpc>
+              <a:spcBef>
+                <a:spcPts val="0"/>
+              </a:spcBef>
+              <a:spcAft>
+                <a:spcPts val="0"/>
+              </a:spcAft>
+              <a:buClr>
+                <a:srgbClr val="000000"/>
+              </a:buClr>
+              <a:buSzPts val="1100"/>
+              <a:buFont typeface="Arial"/>
+              <a:buNone/>
+            </a:pPr>
+            <a:endParaRPr sz="1100" b="0" i="0" u="none" strike="noStrike" cap="none">
+              <a:solidFill>
+                <a:srgbClr val="000000"/>
+              </a:solidFill>
+              <a:latin typeface="Arial"/>
+              <a:ea typeface="Arial"/>
+              <a:cs typeface="Arial"/>
+              <a:sym typeface="Arial"/>
+            </a:endParaRPr>
+          </a:p>
+          <a:p>
+            <a:pPr marL="0" marR="0" lvl="0" indent="0" algn="l" rtl="0">
+              <a:lnSpc>
+                <a:spcPct val="100000"/>
+              </a:lnSpc>
+              <a:spcBef>
+                <a:spcPts val="0"/>
+              </a:spcBef>
+              <a:spcAft>
+                <a:spcPts val="0"/>
+              </a:spcAft>
+              <a:buClr>
+                <a:srgbClr val="000000"/>
+              </a:buClr>
+              <a:buSzPts val="1100"/>
+              <a:buFont typeface="Arial"/>
+              <a:buNone/>
+            </a:pPr>
+            <a:endParaRPr sz="1100" b="0" i="0" u="none" strike="noStrike" cap="none">
+              <a:solidFill>
+                <a:srgbClr val="000000"/>
+              </a:solidFill>
+              <a:latin typeface="Arial"/>
+              <a:ea typeface="Arial"/>
+              <a:cs typeface="Arial"/>
+              <a:sym typeface="Arial"/>
+            </a:endParaRPr>
+          </a:p>
+          <a:p>
+            <a:pPr marL="0" marR="0" lvl="0" indent="0" algn="l" rtl="0">
+              <a:lnSpc>
+                <a:spcPct val="100000"/>
+              </a:lnSpc>
+              <a:spcBef>
+                <a:spcPts val="0"/>
+              </a:spcBef>
+              <a:spcAft>
+                <a:spcPts val="0"/>
+              </a:spcAft>
+              <a:buClr>
+                <a:srgbClr val="000000"/>
+              </a:buClr>
+              <a:buSzPts val="1100"/>
+              <a:buFont typeface="Arial"/>
+              <a:buNone/>
+            </a:pPr>
+            <a:endParaRPr sz="1100" b="0" i="0" u="none" strike="noStrike" cap="none">
+              <a:solidFill>
+                <a:srgbClr val="000000"/>
+              </a:solidFill>
+              <a:latin typeface="Arial"/>
+              <a:ea typeface="Arial"/>
+              <a:cs typeface="Arial"/>
+              <a:sym typeface="Arial"/>
+            </a:endParaRPr>
+          </a:p>
+        </p:txBody>
+      </p:sp>
+      <p:sp>
+        <p:nvSpPr>
+          <p:cNvPr id="243" name="Google Shape;243;p44"/>
+          <p:cNvSpPr/>
+          <p:nvPr/>
+        </p:nvSpPr>
+        <p:spPr>
+          <a:xfrm>
+            <a:off x="1583286" y="614552"/>
+            <a:ext cx="5284071" cy="802421"/>
+          </a:xfrm>
+          <a:prstGeom prst="rect">
+            <a:avLst/>
+          </a:prstGeom>
+          <a:noFill/>
+          <a:ln>
+            <a:noFill/>
+          </a:ln>
+        </p:spPr>
+        <p:txBody>
+          <a:bodyPr spcFirstLastPara="1" wrap="square" lIns="61225" tIns="30600" rIns="61225" bIns="30600" anchor="t" anchorCtr="0">
+            <a:noAutofit/>
+          </a:bodyPr>
+          <a:lstStyle/>
+          <a:p>
+            <a:pPr marL="0" marR="0" lvl="0" indent="0" algn="l" rtl="0">
+              <a:lnSpc>
+                <a:spcPct val="100000"/>
+              </a:lnSpc>
+              <a:spcBef>
+                <a:spcPts val="0"/>
+              </a:spcBef>
+              <a:spcAft>
+                <a:spcPts val="0"/>
+              </a:spcAft>
+              <a:buClr>
+                <a:srgbClr val="000000"/>
+              </a:buClr>
+              <a:buSzPts val="1200"/>
+              <a:buFont typeface="Arial"/>
+              <a:buNone/>
+            </a:pPr>
+            <a:endParaRPr sz="1200" b="0" i="0" u="none" strike="noStrike" cap="none">
+              <a:solidFill>
+                <a:srgbClr val="000000"/>
+              </a:solidFill>
+              <a:latin typeface="Arial"/>
+              <a:ea typeface="Arial"/>
+              <a:cs typeface="Arial"/>
+              <a:sym typeface="Arial"/>
+            </a:endParaRPr>
+          </a:p>
+          <a:p>
+            <a:pPr marL="0" marR="0" lvl="0" indent="0" algn="ctr" rtl="0">
+              <a:lnSpc>
+                <a:spcPct val="42000"/>
+              </a:lnSpc>
+              <a:spcBef>
+                <a:spcPts val="0"/>
+              </a:spcBef>
+              <a:spcAft>
+                <a:spcPts val="0"/>
+              </a:spcAft>
+              <a:buClr>
+                <a:srgbClr val="000000"/>
+              </a:buClr>
+              <a:buSzPts val="1200"/>
+              <a:buFont typeface="Arial"/>
+              <a:buNone/>
+            </a:pPr>
+            <a:endParaRPr sz="1200" b="0" i="0" u="none" strike="noStrike" cap="none">
+              <a:solidFill>
+                <a:srgbClr val="000000"/>
+              </a:solidFill>
+              <a:latin typeface="Arial"/>
+              <a:ea typeface="Arial"/>
+              <a:cs typeface="Arial"/>
+              <a:sym typeface="Arial"/>
+            </a:endParaRPr>
+          </a:p>
+          <a:p>
+            <a:pPr marL="0" marR="0" lvl="0" indent="0" algn="ctr" rtl="0">
+              <a:lnSpc>
+                <a:spcPct val="54000"/>
+              </a:lnSpc>
+              <a:spcBef>
+                <a:spcPts val="0"/>
+              </a:spcBef>
+              <a:spcAft>
+                <a:spcPts val="0"/>
+              </a:spcAft>
+              <a:buClr>
+                <a:srgbClr val="000000"/>
+              </a:buClr>
+              <a:buSzPts val="1200"/>
+              <a:buFont typeface="Arial"/>
+              <a:buNone/>
+            </a:pPr>
+            <a:endParaRPr sz="1200" b="0" i="0" u="none" strike="noStrike" cap="none">
+              <a:solidFill>
+                <a:srgbClr val="000000"/>
+              </a:solidFill>
+              <a:latin typeface="Arial"/>
+              <a:ea typeface="Arial"/>
+              <a:cs typeface="Arial"/>
+              <a:sym typeface="Arial"/>
+            </a:endParaRPr>
+          </a:p>
+        </p:txBody>
+      </p:sp>
+      <p:pic>
+        <p:nvPicPr>
+          <p:cNvPr id="244" name="Google Shape;244;p44"/>
+          <p:cNvPicPr preferRelativeResize="0"/>
+          <p:nvPr/>
+        </p:nvPicPr>
+        <p:blipFill rotWithShape="1">
+          <a:blip r:embed="rId3">
+            <a:alphaModFix/>
+          </a:blip>
+          <a:srcRect/>
+          <a:stretch/>
+        </p:blipFill>
+        <p:spPr>
+          <a:xfrm>
+            <a:off x="1976261" y="1302612"/>
+            <a:ext cx="5655154" cy="1196669"/>
+          </a:xfrm>
+          <a:prstGeom prst="rect">
+            <a:avLst/>
+          </a:prstGeom>
+          <a:noFill/>
+          <a:ln>
+            <a:noFill/>
+          </a:ln>
+        </p:spPr>
+      </p:pic>
+      <p:pic>
+        <p:nvPicPr>
+          <p:cNvPr id="245" name="Google Shape;245;p44"/>
+          <p:cNvPicPr preferRelativeResize="0"/>
+          <p:nvPr/>
+        </p:nvPicPr>
+        <p:blipFill rotWithShape="1">
+          <a:blip r:embed="rId4">
+            <a:alphaModFix/>
+          </a:blip>
+          <a:srcRect/>
+          <a:stretch/>
+        </p:blipFill>
+        <p:spPr>
+          <a:xfrm>
+            <a:off x="3787982" y="4614652"/>
+            <a:ext cx="1369700" cy="331158"/>
+          </a:xfrm>
+          <a:prstGeom prst="rect">
+            <a:avLst/>
+          </a:prstGeom>
+          <a:noFill/>
+          <a:ln>
+            <a:noFill/>
+          </a:ln>
+        </p:spPr>
+      </p:pic>
+      <p:sp>
+        <p:nvSpPr>
+          <p:cNvPr id="246" name="Google Shape;246;p44"/>
+          <p:cNvSpPr txBox="1"/>
+          <p:nvPr/>
+        </p:nvSpPr>
+        <p:spPr>
+          <a:xfrm>
+            <a:off x="989815" y="2736130"/>
+            <a:ext cx="3167406" cy="746328"/>
+          </a:xfrm>
+          <a:prstGeom prst="rect">
+            <a:avLst/>
+          </a:prstGeom>
+          <a:noFill/>
+          <a:ln>
+            <a:noFill/>
+          </a:ln>
+        </p:spPr>
+        <p:txBody>
+          <a:bodyPr spcFirstLastPara="1" wrap="square" lIns="68575" tIns="34275" rIns="68575" bIns="34275" anchor="t" anchorCtr="0">
+            <a:spAutoFit/>
+          </a:bodyPr>
+          <a:lstStyle/>
+          <a:p>
+            <a:pPr marL="0" marR="0" lvl="1" indent="0" algn="l" rtl="0">
+              <a:lnSpc>
+                <a:spcPct val="100000"/>
+              </a:lnSpc>
+              <a:spcBef>
+                <a:spcPts val="0"/>
+              </a:spcBef>
+              <a:spcAft>
+                <a:spcPts val="0"/>
+              </a:spcAft>
+              <a:buNone/>
+            </a:pPr>
+            <a:r>
+              <a:rPr lang="en" sz="1100" b="0" i="0" u="none" strike="noStrike" cap="none" dirty="0">
+                <a:solidFill>
+                  <a:schemeClr val="lt1"/>
+                </a:solidFill>
+                <a:latin typeface="Times New Roman" panose="02020603050405020304" pitchFamily="18" charset="0"/>
+                <a:cs typeface="Times New Roman" panose="02020603050405020304" pitchFamily="18" charset="0"/>
+                <a:sym typeface="Arial"/>
+              </a:rPr>
+              <a:t>Submitted By : Vivek K, Harshitha P, Shashank K</a:t>
+            </a:r>
+            <a:endParaRPr sz="1100" b="0" i="0" u="none" strike="noStrike" cap="none" dirty="0">
+              <a:solidFill>
+                <a:srgbClr val="000000"/>
+              </a:solidFill>
+              <a:latin typeface="Times New Roman" panose="02020603050405020304" pitchFamily="18" charset="0"/>
+              <a:cs typeface="Times New Roman" panose="02020603050405020304" pitchFamily="18" charset="0"/>
+              <a:sym typeface="Arial"/>
+            </a:endParaRPr>
+          </a:p>
+          <a:p>
+            <a:pPr marL="0" marR="0" lvl="1" indent="0" algn="l" rtl="0">
+              <a:lnSpc>
+                <a:spcPct val="100000"/>
+              </a:lnSpc>
+              <a:spcBef>
+                <a:spcPts val="0"/>
+              </a:spcBef>
+              <a:spcAft>
+                <a:spcPts val="0"/>
+              </a:spcAft>
+              <a:buNone/>
+            </a:pPr>
+            <a:r>
+              <a:rPr lang="en" sz="1100" b="0" i="0" u="none" strike="noStrike" cap="none" dirty="0">
+                <a:solidFill>
+                  <a:schemeClr val="lt1"/>
+                </a:solidFill>
+                <a:latin typeface="Times New Roman" panose="02020603050405020304" pitchFamily="18" charset="0"/>
+                <a:cs typeface="Times New Roman" panose="02020603050405020304" pitchFamily="18" charset="0"/>
+                <a:sym typeface="Arial"/>
+              </a:rPr>
+              <a:t>Email : kvivek1339@gmail.com</a:t>
+            </a:r>
+            <a:endParaRPr sz="1100" dirty="0">
+              <a:latin typeface="Times New Roman" panose="02020603050405020304" pitchFamily="18" charset="0"/>
+              <a:cs typeface="Times New Roman" panose="02020603050405020304" pitchFamily="18" charset="0"/>
+            </a:endParaRPr>
+          </a:p>
+          <a:p>
+            <a:pPr marL="0" marR="0" lvl="1" indent="0" algn="l" rtl="0">
+              <a:lnSpc>
+                <a:spcPct val="100000"/>
+              </a:lnSpc>
+              <a:spcBef>
+                <a:spcPts val="0"/>
+              </a:spcBef>
+              <a:spcAft>
+                <a:spcPts val="0"/>
+              </a:spcAft>
+              <a:buNone/>
+            </a:pPr>
+            <a:r>
+              <a:rPr lang="en" sz="1100" b="0" i="0" u="none" strike="noStrike" cap="none" dirty="0">
+                <a:solidFill>
+                  <a:schemeClr val="lt1"/>
+                </a:solidFill>
+                <a:latin typeface="Times New Roman" panose="02020603050405020304" pitchFamily="18" charset="0"/>
+                <a:cs typeface="Times New Roman" panose="02020603050405020304" pitchFamily="18" charset="0"/>
+                <a:sym typeface="Arial"/>
+              </a:rPr>
+              <a:t>Mobile No: 97435517644</a:t>
+            </a:r>
+            <a:endParaRPr sz="1100" dirty="0">
+              <a:latin typeface="Times New Roman" panose="02020603050405020304" pitchFamily="18" charset="0"/>
+              <a:cs typeface="Times New Roman" panose="02020603050405020304" pitchFamily="18" charset="0"/>
+            </a:endParaRPr>
+          </a:p>
+          <a:p>
+            <a:pPr marL="0" marR="0" lvl="0" indent="0" algn="l" rtl="0">
+              <a:lnSpc>
+                <a:spcPct val="100000"/>
+              </a:lnSpc>
+              <a:spcBef>
+                <a:spcPts val="0"/>
+              </a:spcBef>
+              <a:spcAft>
+                <a:spcPts val="0"/>
+              </a:spcAft>
+              <a:buNone/>
+            </a:pPr>
+            <a:endParaRPr sz="1100" b="0" i="0" u="none" strike="noStrike" cap="none" dirty="0">
+              <a:solidFill>
+                <a:srgbClr val="000000"/>
+              </a:solidFill>
+              <a:latin typeface="Arial"/>
+              <a:ea typeface="Arial"/>
+              <a:cs typeface="Arial"/>
+              <a:sym typeface="Arial"/>
+            </a:endParaRPr>
+          </a:p>
+        </p:txBody>
+      </p:sp>
+    </p:spTree>
+  </p:cSld>
+  <p:clrMapOvr>
+    <a:masterClrMapping/>
+  </p:clrMapOvr>
+</p:sld>
+</file>
+
 <file path=ppt/slides/slide2.xml><?xml version="1.0" encoding="utf-8"?>
 <p:sld xmlns:a="http://schemas.openxmlformats.org/drawingml/2006/main" xmlns:r="http://schemas.openxmlformats.org/officeDocument/2006/relationships" xmlns:p="http://schemas.openxmlformats.org/presentationml/2006/main">
   <p:cSld>
@@ -29810,6 +31862,474 @@
   <p:cSld>
     <p:spTree>
       <p:nvGrpSpPr>
+        <p:cNvPr id="1" name="Shape 197"/>
+        <p:cNvGrpSpPr/>
+        <p:nvPr/>
+      </p:nvGrpSpPr>
+      <p:grpSpPr>
+        <a:xfrm>
+          <a:off x="0" y="0"/>
+          <a:ext cx="0" cy="0"/>
+          <a:chOff x="0" y="0"/>
+          <a:chExt cx="0" cy="0"/>
+        </a:xfrm>
+      </p:grpSpPr>
+      <p:sp>
+        <p:nvSpPr>
+          <p:cNvPr id="198" name="Google Shape;198;p7"/>
+          <p:cNvSpPr/>
+          <p:nvPr/>
+        </p:nvSpPr>
+        <p:spPr>
+          <a:xfrm>
+            <a:off x="-19" y="0"/>
+            <a:ext cx="9144000" cy="5143500"/>
+          </a:xfrm>
+          <a:prstGeom prst="rect">
+            <a:avLst/>
+          </a:prstGeom>
+          <a:solidFill>
+            <a:srgbClr val="2F0E3C"/>
+          </a:solidFill>
+          <a:ln>
+            <a:noFill/>
+          </a:ln>
+        </p:spPr>
+        <p:txBody>
+          <a:bodyPr spcFirstLastPara="1" wrap="square" lIns="61219" tIns="30600" rIns="61219" bIns="30600" anchor="t" anchorCtr="0">
+            <a:noAutofit/>
+          </a:bodyPr>
+          <a:lstStyle/>
+          <a:p>
+            <a:pPr>
+              <a:buSzPts val="1633"/>
+            </a:pPr>
+            <a:endParaRPr sz="1225"/>
+          </a:p>
+        </p:txBody>
+      </p:sp>
+      <p:sp>
+        <p:nvSpPr>
+          <p:cNvPr id="199" name="Google Shape;199;p7"/>
+          <p:cNvSpPr/>
+          <p:nvPr/>
+        </p:nvSpPr>
+        <p:spPr>
+          <a:xfrm>
+            <a:off x="2261812" y="621505"/>
+            <a:ext cx="4620338" cy="476917"/>
+          </a:xfrm>
+          <a:prstGeom prst="rect">
+            <a:avLst/>
+          </a:prstGeom>
+          <a:noFill/>
+          <a:ln>
+            <a:noFill/>
+          </a:ln>
+        </p:spPr>
+        <p:txBody>
+          <a:bodyPr spcFirstLastPara="1" wrap="square" lIns="61219" tIns="30600" rIns="61219" bIns="30600" anchor="t" anchorCtr="0">
+            <a:noAutofit/>
+          </a:bodyPr>
+          <a:lstStyle/>
+          <a:p>
+            <a:pPr>
+              <a:lnSpc>
+                <a:spcPct val="42000"/>
+              </a:lnSpc>
+              <a:buSzPts val="2400"/>
+            </a:pPr>
+            <a:r>
+              <a:rPr lang="en-US" sz="2100" b="1" dirty="0">
+                <a:solidFill>
+                  <a:schemeClr val="lt1"/>
+                </a:solidFill>
+                <a:latin typeface="Times New Roman" panose="02020603050405020304" pitchFamily="18" charset="0"/>
+                <a:ea typeface="Lato"/>
+                <a:cs typeface="Times New Roman" panose="02020603050405020304" pitchFamily="18" charset="0"/>
+                <a:sym typeface="Lato"/>
+              </a:rPr>
+              <a:t>Source code (</a:t>
+            </a:r>
+            <a:r>
+              <a:rPr lang="en-US" sz="2100" b="1" dirty="0" err="1">
+                <a:solidFill>
+                  <a:schemeClr val="lt1"/>
+                </a:solidFill>
+                <a:latin typeface="Times New Roman" panose="02020603050405020304" pitchFamily="18" charset="0"/>
+                <a:ea typeface="Lato"/>
+                <a:cs typeface="Times New Roman" panose="02020603050405020304" pitchFamily="18" charset="0"/>
+                <a:sym typeface="Lato"/>
+              </a:rPr>
+              <a:t>Github</a:t>
+            </a:r>
+            <a:r>
+              <a:rPr lang="en-US" sz="2100" b="1" dirty="0">
+                <a:solidFill>
+                  <a:schemeClr val="lt1"/>
+                </a:solidFill>
+                <a:latin typeface="Times New Roman" panose="02020603050405020304" pitchFamily="18" charset="0"/>
+                <a:ea typeface="Lato"/>
+                <a:cs typeface="Times New Roman" panose="02020603050405020304" pitchFamily="18" charset="0"/>
+                <a:sym typeface="Lato"/>
+              </a:rPr>
+              <a:t> Repository Link)</a:t>
+            </a:r>
+            <a:endParaRPr sz="2100" dirty="0">
+              <a:solidFill>
+                <a:schemeClr val="lt1"/>
+              </a:solidFill>
+              <a:latin typeface="Times New Roman" panose="02020603050405020304" pitchFamily="18" charset="0"/>
+              <a:cs typeface="Times New Roman" panose="02020603050405020304" pitchFamily="18" charset="0"/>
+            </a:endParaRPr>
+          </a:p>
+          <a:p>
+            <a:pPr algn="ctr">
+              <a:lnSpc>
+                <a:spcPct val="42000"/>
+              </a:lnSpc>
+              <a:buSzPts val="1633"/>
+            </a:pPr>
+            <a:endParaRPr sz="2100" dirty="0">
+              <a:latin typeface="Times New Roman" panose="02020603050405020304" pitchFamily="18" charset="0"/>
+              <a:cs typeface="Times New Roman" panose="02020603050405020304" pitchFamily="18" charset="0"/>
+            </a:endParaRPr>
+          </a:p>
+          <a:p>
+            <a:pPr algn="ctr">
+              <a:lnSpc>
+                <a:spcPct val="54000"/>
+              </a:lnSpc>
+              <a:buSzPts val="1633"/>
+            </a:pPr>
+            <a:endParaRPr sz="2100" dirty="0">
+              <a:latin typeface="Times New Roman" panose="02020603050405020304" pitchFamily="18" charset="0"/>
+              <a:cs typeface="Times New Roman" panose="02020603050405020304" pitchFamily="18" charset="0"/>
+            </a:endParaRPr>
+          </a:p>
+        </p:txBody>
+      </p:sp>
+      <p:pic>
+        <p:nvPicPr>
+          <p:cNvPr id="200" name="Google Shape;200;p7"/>
+          <p:cNvPicPr preferRelativeResize="0"/>
+          <p:nvPr/>
+        </p:nvPicPr>
+        <p:blipFill rotWithShape="1">
+          <a:blip r:embed="rId3">
+            <a:alphaModFix/>
+          </a:blip>
+          <a:srcRect/>
+          <a:stretch/>
+        </p:blipFill>
+        <p:spPr>
+          <a:xfrm>
+            <a:off x="3787982" y="4614653"/>
+            <a:ext cx="1369700" cy="331158"/>
+          </a:xfrm>
+          <a:prstGeom prst="rect">
+            <a:avLst/>
+          </a:prstGeom>
+          <a:noFill/>
+          <a:ln>
+            <a:noFill/>
+          </a:ln>
+        </p:spPr>
+      </p:pic>
+      <p:sp>
+        <p:nvSpPr>
+          <p:cNvPr id="2" name="TextBox 1">
+            <a:extLst>
+              <a:ext uri="{FF2B5EF4-FFF2-40B4-BE49-F238E27FC236}">
+                <a16:creationId xmlns:a16="http://schemas.microsoft.com/office/drawing/2014/main" id="{DF46B1B2-449E-1DC7-0C7D-637315C0E59A}"/>
+              </a:ext>
+            </a:extLst>
+          </p:cNvPr>
+          <p:cNvSpPr txBox="1"/>
+          <p:nvPr/>
+        </p:nvSpPr>
+        <p:spPr>
+          <a:xfrm>
+            <a:off x="935831" y="1164431"/>
+            <a:ext cx="7265194" cy="338554"/>
+          </a:xfrm>
+          <a:prstGeom prst="rect">
+            <a:avLst/>
+          </a:prstGeom>
+          <a:noFill/>
+        </p:spPr>
+        <p:txBody>
+          <a:bodyPr wrap="square" rtlCol="0">
+            <a:spAutoFit/>
+          </a:bodyPr>
+          <a:lstStyle/>
+          <a:p>
+            <a:r>
+              <a:rPr lang="en-IN" sz="1600" dirty="0">
+                <a:solidFill>
+                  <a:schemeClr val="bg1"/>
+                </a:solidFill>
+                <a:latin typeface="Times New Roman" panose="02020603050405020304" pitchFamily="18" charset="0"/>
+                <a:cs typeface="Times New Roman" panose="02020603050405020304" pitchFamily="18" charset="0"/>
+              </a:rPr>
+              <a:t>https://github.com/harshithaputtaswamy/video-compression</a:t>
+            </a:r>
+          </a:p>
+        </p:txBody>
+      </p:sp>
+    </p:spTree>
+  </p:cSld>
+  <p:clrMapOvr>
+    <a:masterClrMapping/>
+  </p:clrMapOvr>
+</p:sld>
+</file>
+
+<file path=ppt/slides/slide7.xml><?xml version="1.0" encoding="utf-8"?>
+<p:sld xmlns:a="http://schemas.openxmlformats.org/drawingml/2006/main" xmlns:r="http://schemas.openxmlformats.org/officeDocument/2006/relationships" xmlns:p="http://schemas.openxmlformats.org/presentationml/2006/main">
+  <p:cSld>
+    <p:spTree>
+      <p:nvGrpSpPr>
+        <p:cNvPr id="1" name="Shape 197"/>
+        <p:cNvGrpSpPr/>
+        <p:nvPr/>
+      </p:nvGrpSpPr>
+      <p:grpSpPr>
+        <a:xfrm>
+          <a:off x="0" y="0"/>
+          <a:ext cx="0" cy="0"/>
+          <a:chOff x="0" y="0"/>
+          <a:chExt cx="0" cy="0"/>
+        </a:xfrm>
+      </p:grpSpPr>
+      <p:sp>
+        <p:nvSpPr>
+          <p:cNvPr id="198" name="Google Shape;198;p7"/>
+          <p:cNvSpPr/>
+          <p:nvPr/>
+        </p:nvSpPr>
+        <p:spPr>
+          <a:xfrm>
+            <a:off x="0" y="0"/>
+            <a:ext cx="9144000" cy="5143500"/>
+          </a:xfrm>
+          <a:prstGeom prst="rect">
+            <a:avLst/>
+          </a:prstGeom>
+          <a:solidFill>
+            <a:srgbClr val="2F0E3C"/>
+          </a:solidFill>
+          <a:ln>
+            <a:noFill/>
+          </a:ln>
+        </p:spPr>
+        <p:txBody>
+          <a:bodyPr spcFirstLastPara="1" wrap="square" lIns="61219" tIns="30600" rIns="61219" bIns="30600" anchor="t" anchorCtr="0">
+            <a:noAutofit/>
+          </a:bodyPr>
+          <a:lstStyle/>
+          <a:p>
+            <a:pPr>
+              <a:buSzPts val="1633"/>
+            </a:pPr>
+            <a:endParaRPr sz="1225"/>
+          </a:p>
+        </p:txBody>
+      </p:sp>
+      <p:pic>
+        <p:nvPicPr>
+          <p:cNvPr id="200" name="Google Shape;200;p7"/>
+          <p:cNvPicPr preferRelativeResize="0"/>
+          <p:nvPr/>
+        </p:nvPicPr>
+        <p:blipFill rotWithShape="1">
+          <a:blip r:embed="rId3">
+            <a:alphaModFix/>
+          </a:blip>
+          <a:srcRect/>
+          <a:stretch/>
+        </p:blipFill>
+        <p:spPr>
+          <a:xfrm>
+            <a:off x="3787982" y="4614653"/>
+            <a:ext cx="1369700" cy="331158"/>
+          </a:xfrm>
+          <a:prstGeom prst="rect">
+            <a:avLst/>
+          </a:prstGeom>
+          <a:noFill/>
+          <a:ln>
+            <a:noFill/>
+          </a:ln>
+        </p:spPr>
+      </p:pic>
+      <p:sp>
+        <p:nvSpPr>
+          <p:cNvPr id="2" name="TextBox 1">
+            <a:extLst>
+              <a:ext uri="{FF2B5EF4-FFF2-40B4-BE49-F238E27FC236}">
+                <a16:creationId xmlns:a16="http://schemas.microsoft.com/office/drawing/2014/main" id="{D81ABA18-3134-F913-4F36-2B9EF87733F0}"/>
+              </a:ext>
+            </a:extLst>
+          </p:cNvPr>
+          <p:cNvSpPr txBox="1"/>
+          <p:nvPr/>
+        </p:nvSpPr>
+        <p:spPr>
+          <a:xfrm>
+            <a:off x="2533304" y="197689"/>
+            <a:ext cx="3879056" cy="415498"/>
+          </a:xfrm>
+          <a:prstGeom prst="rect">
+            <a:avLst/>
+          </a:prstGeom>
+          <a:noFill/>
+        </p:spPr>
+        <p:txBody>
+          <a:bodyPr wrap="square" rtlCol="0">
+            <a:spAutoFit/>
+          </a:bodyPr>
+          <a:lstStyle/>
+          <a:p>
+            <a:r>
+              <a:rPr lang="en-US" sz="2100" b="1" dirty="0">
+                <a:solidFill>
+                  <a:schemeClr val="bg1"/>
+                </a:solidFill>
+                <a:latin typeface="Times New Roman" panose="02020603050405020304" pitchFamily="18" charset="0"/>
+                <a:cs typeface="Times New Roman" panose="02020603050405020304" pitchFamily="18" charset="0"/>
+              </a:rPr>
+              <a:t>Test cases and resulting output</a:t>
+            </a:r>
+            <a:endParaRPr lang="en-IN" sz="2100" b="1" dirty="0">
+              <a:solidFill>
+                <a:schemeClr val="bg1"/>
+              </a:solidFill>
+              <a:latin typeface="Times New Roman" panose="02020603050405020304" pitchFamily="18" charset="0"/>
+              <a:cs typeface="Times New Roman" panose="02020603050405020304" pitchFamily="18" charset="0"/>
+            </a:endParaRPr>
+          </a:p>
+        </p:txBody>
+      </p:sp>
+      <p:sp>
+        <p:nvSpPr>
+          <p:cNvPr id="3" name="TextBox 2">
+            <a:extLst>
+              <a:ext uri="{FF2B5EF4-FFF2-40B4-BE49-F238E27FC236}">
+                <a16:creationId xmlns:a16="http://schemas.microsoft.com/office/drawing/2014/main" id="{875499DC-C40F-7E26-EB9B-FC533908A4F0}"/>
+              </a:ext>
+            </a:extLst>
+          </p:cNvPr>
+          <p:cNvSpPr txBox="1"/>
+          <p:nvPr/>
+        </p:nvSpPr>
+        <p:spPr>
+          <a:xfrm>
+            <a:off x="700088" y="750095"/>
+            <a:ext cx="7743824" cy="1107996"/>
+          </a:xfrm>
+          <a:prstGeom prst="rect">
+            <a:avLst/>
+          </a:prstGeom>
+          <a:noFill/>
+        </p:spPr>
+        <p:txBody>
+          <a:bodyPr wrap="square" rtlCol="0">
+            <a:spAutoFit/>
+          </a:bodyPr>
+          <a:lstStyle/>
+          <a:p>
+            <a:pPr>
+              <a:buClr>
+                <a:schemeClr val="bg1"/>
+              </a:buClr>
+            </a:pPr>
+            <a:r>
+              <a:rPr lang="en-US" sz="1800" dirty="0">
+                <a:solidFill>
+                  <a:schemeClr val="bg1"/>
+                </a:solidFill>
+                <a:latin typeface="Times New Roman" panose="02020603050405020304" pitchFamily="18" charset="0"/>
+                <a:cs typeface="Times New Roman" panose="02020603050405020304" pitchFamily="18" charset="0"/>
+              </a:rPr>
+              <a:t>For a file of size 30mb</a:t>
+            </a:r>
+          </a:p>
+          <a:p>
+            <a:pPr marL="285750" indent="-285750">
+              <a:buClr>
+                <a:schemeClr val="bg1"/>
+              </a:buClr>
+              <a:buFont typeface="Arial" panose="020B0604020202020204" pitchFamily="34" charset="0"/>
+              <a:buChar char="•"/>
+            </a:pPr>
+            <a:r>
+              <a:rPr lang="en-US" sz="1600" dirty="0">
+                <a:solidFill>
+                  <a:schemeClr val="bg1"/>
+                </a:solidFill>
+                <a:latin typeface="Times New Roman" panose="02020603050405020304" pitchFamily="18" charset="0"/>
+                <a:cs typeface="Times New Roman" panose="02020603050405020304" pitchFamily="18" charset="0"/>
+              </a:rPr>
+              <a:t>The final compressed file size – 10mb</a:t>
+            </a:r>
+          </a:p>
+          <a:p>
+            <a:pPr marL="285750" indent="-285750">
+              <a:buClr>
+                <a:schemeClr val="bg1"/>
+              </a:buClr>
+              <a:buFont typeface="Arial" panose="020B0604020202020204" pitchFamily="34" charset="0"/>
+              <a:buChar char="•"/>
+            </a:pPr>
+            <a:r>
+              <a:rPr lang="en-US" sz="1600" dirty="0">
+                <a:solidFill>
+                  <a:schemeClr val="bg1"/>
+                </a:solidFill>
+                <a:latin typeface="Times New Roman" panose="02020603050405020304" pitchFamily="18" charset="0"/>
+                <a:cs typeface="Times New Roman" panose="02020603050405020304" pitchFamily="18" charset="0"/>
+              </a:rPr>
+              <a:t>The time taken for a cycle of compression, encryption, storage, decryption and decompression </a:t>
+            </a:r>
+            <a:r>
+              <a:rPr lang="en-US" dirty="0">
+                <a:solidFill>
+                  <a:schemeClr val="bg1"/>
+                </a:solidFill>
+                <a:latin typeface="Times New Roman" panose="02020603050405020304" pitchFamily="18" charset="0"/>
+                <a:cs typeface="Times New Roman" panose="02020603050405020304" pitchFamily="18" charset="0"/>
+              </a:rPr>
+              <a:t>–  30seconds</a:t>
+            </a:r>
+            <a:endParaRPr lang="en-IN" dirty="0">
+              <a:solidFill>
+                <a:schemeClr val="bg1"/>
+              </a:solidFill>
+              <a:latin typeface="Times New Roman" panose="02020603050405020304" pitchFamily="18" charset="0"/>
+              <a:cs typeface="Times New Roman" panose="02020603050405020304" pitchFamily="18" charset="0"/>
+            </a:endParaRPr>
+          </a:p>
+        </p:txBody>
+      </p:sp>
+    </p:spTree>
+    <p:extLst>
+      <p:ext uri="{BB962C8B-B14F-4D97-AF65-F5344CB8AC3E}">
+        <p14:creationId xmlns:p14="http://schemas.microsoft.com/office/powerpoint/2010/main" val="2079443462"/>
+      </p:ext>
+    </p:extLst>
+  </p:cSld>
+  <p:clrMapOvr>
+    <a:masterClrMapping/>
+  </p:clrMapOvr>
+</p:sld>
+</file>
+
+<file path=ppt/slides/slide8.xml><?xml version="1.0" encoding="utf-8"?>
+<p:sld xmlns:a="http://schemas.openxmlformats.org/drawingml/2006/main" xmlns:r="http://schemas.openxmlformats.org/officeDocument/2006/relationships" xmlns:p="http://schemas.openxmlformats.org/presentationml/2006/main">
+  <p:cSld>
+    <p:spTree>
+      <p:nvGrpSpPr>
         <p:cNvPr id="1" name="Shape 224"/>
         <p:cNvGrpSpPr/>
         <p:nvPr/>
@@ -29921,7 +32441,7 @@
               <a:buNone/>
             </a:pPr>
             <a:r>
-              <a:rPr lang="en" sz="2100" b="1" i="0" u="none" strike="noStrike" cap="none">
+              <a:rPr lang="en" sz="2100" b="1" i="0" u="none" strike="noStrike" cap="none" dirty="0">
                 <a:solidFill>
                   <a:schemeClr val="lt1"/>
                 </a:solidFill>
@@ -29932,7 +32452,7 @@
               </a:rPr>
               <a:t>Reason why your solution should be considered</a:t>
             </a:r>
-            <a:endParaRPr sz="1100" b="0" i="0" u="none" strike="noStrike" cap="none">
+            <a:endParaRPr sz="1100" b="0" i="0" u="none" strike="noStrike" cap="none" dirty="0">
               <a:solidFill>
                 <a:schemeClr val="lt1"/>
               </a:solidFill>
@@ -30465,8 +32985,8 @@
         </p:nvSpPr>
         <p:spPr>
           <a:xfrm>
-            <a:off x="575035" y="664590"/>
-            <a:ext cx="7993800" cy="3948000"/>
+            <a:off x="575100" y="468962"/>
+            <a:ext cx="7993800" cy="4501202"/>
           </a:xfrm>
           <a:prstGeom prst="rect">
             <a:avLst/>
@@ -30660,7 +33180,7 @@
               <a:buChar char="•"/>
             </a:pPr>
             <a:r>
-              <a:rPr lang="en" sz="1800" b="0" i="0" u="none" strike="noStrike" cap="none">
+              <a:rPr lang="en" sz="1800" b="0" i="0" u="none" strike="noStrike" cap="none" dirty="0">
                 <a:solidFill>
                   <a:srgbClr val="F2F2F2"/>
                 </a:solidFill>
@@ -30711,6 +33231,37 @@
               </a:rPr>
               <a:t>This is a generic solution that does not involve any prerequisite assumptions and can be scaled very efficiently horizontally and vertically on cloud as well.</a:t>
             </a:r>
+          </a:p>
+          <a:p>
+            <a:pPr marL="254000" marR="0" lvl="0" indent="-254000" algn="l" rtl="0">
+              <a:lnSpc>
+                <a:spcPct val="100000"/>
+              </a:lnSpc>
+              <a:spcBef>
+                <a:spcPts val="0"/>
+              </a:spcBef>
+              <a:spcAft>
+                <a:spcPts val="0"/>
+              </a:spcAft>
+              <a:buClr>
+                <a:srgbClr val="F2F2F2"/>
+              </a:buClr>
+              <a:buSzPts val="1800"/>
+              <a:buFont typeface="Times New Roman"/>
+              <a:buChar char="•"/>
+            </a:pPr>
+            <a:r>
+              <a:rPr lang="en" sz="1800" dirty="0">
+                <a:solidFill>
+                  <a:srgbClr val="F2F2F2"/>
+                </a:solidFill>
+                <a:latin typeface="Times New Roman"/>
+                <a:ea typeface="Times New Roman"/>
+                <a:cs typeface="Times New Roman"/>
+                <a:sym typeface="Times New Roman"/>
+              </a:rPr>
+              <a:t>Cosoms DB stores record of status of videos uploaded to storage container which can be refered back to check if the process failed at any given step</a:t>
+            </a:r>
             <a:endParaRPr sz="1800" dirty="0">
               <a:solidFill>
                 <a:srgbClr val="F2F2F2"/>
@@ -30731,12 +33282,12 @@
 </p:sld>
 </file>
 
-<file path=ppt/slides/slide7.xml><?xml version="1.0" encoding="utf-8"?>
+<file path=ppt/slides/slide9.xml><?xml version="1.0" encoding="utf-8"?>
 <p:sld xmlns:a="http://schemas.openxmlformats.org/drawingml/2006/main" xmlns:r="http://schemas.openxmlformats.org/officeDocument/2006/relationships" xmlns:p="http://schemas.openxmlformats.org/presentationml/2006/main">
   <p:cSld>
     <p:spTree>
       <p:nvGrpSpPr>
-        <p:cNvPr id="1" name="Shape 241"/>
+        <p:cNvPr id="1" name="Shape 197"/>
         <p:cNvGrpSpPr/>
         <p:nvPr/>
       </p:nvGrpSpPr>
@@ -30750,7 +33301,7 @@
       </p:grpSpPr>
       <p:sp>
         <p:nvSpPr>
-          <p:cNvPr id="242" name="Google Shape;242;p44"/>
+          <p:cNvPr id="198" name="Google Shape;198;p7"/>
           <p:cNvSpPr/>
           <p:nvPr/>
         </p:nvSpPr>
@@ -30770,265 +33321,21 @@
           </a:ln>
         </p:spPr>
         <p:txBody>
-          <a:bodyPr spcFirstLastPara="1" wrap="square" lIns="68575" tIns="68575" rIns="68575" bIns="68575" anchor="ctr" anchorCtr="0">
+          <a:bodyPr spcFirstLastPara="1" wrap="square" lIns="61219" tIns="30600" rIns="61219" bIns="30600" anchor="t" anchorCtr="0">
             <a:noAutofit/>
           </a:bodyPr>
           <a:lstStyle/>
           <a:p>
-            <a:pPr marL="0" marR="0" lvl="0" indent="0" algn="l" rtl="0">
-              <a:lnSpc>
-                <a:spcPct val="100000"/>
-              </a:lnSpc>
-              <a:spcBef>
-                <a:spcPts val="0"/>
-              </a:spcBef>
-              <a:spcAft>
-                <a:spcPts val="0"/>
-              </a:spcAft>
-              <a:buClr>
-                <a:srgbClr val="000000"/>
-              </a:buClr>
-              <a:buSzPts val="1100"/>
-              <a:buFont typeface="Arial"/>
-              <a:buNone/>
+            <a:pPr>
+              <a:buSzPts val="1633"/>
             </a:pPr>
-            <a:endParaRPr sz="1100" b="0" i="0" u="none" strike="noStrike" cap="none">
-              <a:solidFill>
-                <a:srgbClr val="000000"/>
-              </a:solidFill>
-              <a:latin typeface="Arial"/>
-              <a:ea typeface="Arial"/>
-              <a:cs typeface="Arial"/>
-              <a:sym typeface="Arial"/>
-            </a:endParaRPr>
-          </a:p>
-          <a:p>
-            <a:pPr marL="0" marR="0" lvl="0" indent="0" algn="l" rtl="0">
-              <a:lnSpc>
-                <a:spcPct val="100000"/>
-              </a:lnSpc>
-              <a:spcBef>
-                <a:spcPts val="0"/>
-              </a:spcBef>
-              <a:spcAft>
-                <a:spcPts val="0"/>
-              </a:spcAft>
-              <a:buClr>
-                <a:srgbClr val="000000"/>
-              </a:buClr>
-              <a:buSzPts val="1100"/>
-              <a:buFont typeface="Arial"/>
-              <a:buNone/>
-            </a:pPr>
-            <a:endParaRPr sz="1100" b="0" i="0" u="none" strike="noStrike" cap="none">
-              <a:solidFill>
-                <a:srgbClr val="000000"/>
-              </a:solidFill>
-              <a:latin typeface="Arial"/>
-              <a:ea typeface="Arial"/>
-              <a:cs typeface="Arial"/>
-              <a:sym typeface="Arial"/>
-            </a:endParaRPr>
-          </a:p>
-          <a:p>
-            <a:pPr marL="0" marR="0" lvl="0" indent="0" algn="l" rtl="0">
-              <a:lnSpc>
-                <a:spcPct val="100000"/>
-              </a:lnSpc>
-              <a:spcBef>
-                <a:spcPts val="0"/>
-              </a:spcBef>
-              <a:spcAft>
-                <a:spcPts val="0"/>
-              </a:spcAft>
-              <a:buClr>
-                <a:srgbClr val="000000"/>
-              </a:buClr>
-              <a:buSzPts val="1100"/>
-              <a:buFont typeface="Arial"/>
-              <a:buNone/>
-            </a:pPr>
-            <a:endParaRPr sz="1100" b="0" i="0" u="none" strike="noStrike" cap="none">
-              <a:solidFill>
-                <a:srgbClr val="000000"/>
-              </a:solidFill>
-              <a:latin typeface="Arial"/>
-              <a:ea typeface="Arial"/>
-              <a:cs typeface="Arial"/>
-              <a:sym typeface="Arial"/>
-            </a:endParaRPr>
-          </a:p>
-          <a:p>
-            <a:pPr marL="0" marR="0" lvl="0" indent="0" algn="l" rtl="0">
-              <a:lnSpc>
-                <a:spcPct val="100000"/>
-              </a:lnSpc>
-              <a:spcBef>
-                <a:spcPts val="0"/>
-              </a:spcBef>
-              <a:spcAft>
-                <a:spcPts val="0"/>
-              </a:spcAft>
-              <a:buClr>
-                <a:srgbClr val="000000"/>
-              </a:buClr>
-              <a:buSzPts val="1100"/>
-              <a:buFont typeface="Arial"/>
-              <a:buNone/>
-            </a:pPr>
-            <a:endParaRPr sz="1100" b="0" i="0" u="none" strike="noStrike" cap="none">
-              <a:solidFill>
-                <a:srgbClr val="000000"/>
-              </a:solidFill>
-              <a:latin typeface="Arial"/>
-              <a:ea typeface="Arial"/>
-              <a:cs typeface="Arial"/>
-              <a:sym typeface="Arial"/>
-            </a:endParaRPr>
-          </a:p>
-          <a:p>
-            <a:pPr marL="0" marR="0" lvl="0" indent="0" algn="l" rtl="0">
-              <a:lnSpc>
-                <a:spcPct val="100000"/>
-              </a:lnSpc>
-              <a:spcBef>
-                <a:spcPts val="0"/>
-              </a:spcBef>
-              <a:spcAft>
-                <a:spcPts val="0"/>
-              </a:spcAft>
-              <a:buClr>
-                <a:srgbClr val="000000"/>
-              </a:buClr>
-              <a:buSzPts val="1100"/>
-              <a:buFont typeface="Arial"/>
-              <a:buNone/>
-            </a:pPr>
-            <a:endParaRPr sz="1100" b="0" i="0" u="none" strike="noStrike" cap="none">
-              <a:solidFill>
-                <a:srgbClr val="000000"/>
-              </a:solidFill>
-              <a:latin typeface="Arial"/>
-              <a:ea typeface="Arial"/>
-              <a:cs typeface="Arial"/>
-              <a:sym typeface="Arial"/>
-            </a:endParaRPr>
-          </a:p>
-        </p:txBody>
-      </p:sp>
-      <p:sp>
-        <p:nvSpPr>
-          <p:cNvPr id="243" name="Google Shape;243;p44"/>
-          <p:cNvSpPr/>
-          <p:nvPr/>
-        </p:nvSpPr>
-        <p:spPr>
-          <a:xfrm>
-            <a:off x="1583286" y="614552"/>
-            <a:ext cx="5284071" cy="802421"/>
-          </a:xfrm>
-          <a:prstGeom prst="rect">
-            <a:avLst/>
-          </a:prstGeom>
-          <a:noFill/>
-          <a:ln>
-            <a:noFill/>
-          </a:ln>
-        </p:spPr>
-        <p:txBody>
-          <a:bodyPr spcFirstLastPara="1" wrap="square" lIns="61225" tIns="30600" rIns="61225" bIns="30600" anchor="t" anchorCtr="0">
-            <a:noAutofit/>
-          </a:bodyPr>
-          <a:lstStyle/>
-          <a:p>
-            <a:pPr marL="0" marR="0" lvl="0" indent="0" algn="l" rtl="0">
-              <a:lnSpc>
-                <a:spcPct val="100000"/>
-              </a:lnSpc>
-              <a:spcBef>
-                <a:spcPts val="0"/>
-              </a:spcBef>
-              <a:spcAft>
-                <a:spcPts val="0"/>
-              </a:spcAft>
-              <a:buClr>
-                <a:srgbClr val="000000"/>
-              </a:buClr>
-              <a:buSzPts val="1200"/>
-              <a:buFont typeface="Arial"/>
-              <a:buNone/>
-            </a:pPr>
-            <a:endParaRPr sz="1200" b="0" i="0" u="none" strike="noStrike" cap="none">
-              <a:solidFill>
-                <a:srgbClr val="000000"/>
-              </a:solidFill>
-              <a:latin typeface="Arial"/>
-              <a:ea typeface="Arial"/>
-              <a:cs typeface="Arial"/>
-              <a:sym typeface="Arial"/>
-            </a:endParaRPr>
-          </a:p>
-          <a:p>
-            <a:pPr marL="0" marR="0" lvl="0" indent="0" algn="ctr" rtl="0">
-              <a:lnSpc>
-                <a:spcPct val="42000"/>
-              </a:lnSpc>
-              <a:spcBef>
-                <a:spcPts val="0"/>
-              </a:spcBef>
-              <a:spcAft>
-                <a:spcPts val="0"/>
-              </a:spcAft>
-              <a:buClr>
-                <a:srgbClr val="000000"/>
-              </a:buClr>
-              <a:buSzPts val="1200"/>
-              <a:buFont typeface="Arial"/>
-              <a:buNone/>
-            </a:pPr>
-            <a:endParaRPr sz="1200" b="0" i="0" u="none" strike="noStrike" cap="none">
-              <a:solidFill>
-                <a:srgbClr val="000000"/>
-              </a:solidFill>
-              <a:latin typeface="Arial"/>
-              <a:ea typeface="Arial"/>
-              <a:cs typeface="Arial"/>
-              <a:sym typeface="Arial"/>
-            </a:endParaRPr>
-          </a:p>
-          <a:p>
-            <a:pPr marL="0" marR="0" lvl="0" indent="0" algn="ctr" rtl="0">
-              <a:lnSpc>
-                <a:spcPct val="54000"/>
-              </a:lnSpc>
-              <a:spcBef>
-                <a:spcPts val="0"/>
-              </a:spcBef>
-              <a:spcAft>
-                <a:spcPts val="0"/>
-              </a:spcAft>
-              <a:buClr>
-                <a:srgbClr val="000000"/>
-              </a:buClr>
-              <a:buSzPts val="1200"/>
-              <a:buFont typeface="Arial"/>
-              <a:buNone/>
-            </a:pPr>
-            <a:endParaRPr sz="1200" b="0" i="0" u="none" strike="noStrike" cap="none">
-              <a:solidFill>
-                <a:srgbClr val="000000"/>
-              </a:solidFill>
-              <a:latin typeface="Arial"/>
-              <a:ea typeface="Arial"/>
-              <a:cs typeface="Arial"/>
-              <a:sym typeface="Arial"/>
-            </a:endParaRPr>
+            <a:endParaRPr sz="1225"/>
           </a:p>
         </p:txBody>
       </p:sp>
       <p:pic>
         <p:nvPicPr>
-          <p:cNvPr id="244" name="Google Shape;244;p44"/>
+          <p:cNvPr id="200" name="Google Shape;200;p7"/>
           <p:cNvPicPr preferRelativeResize="0"/>
           <p:nvPr/>
         </p:nvPicPr>
@@ -31041,34 +33348,7 @@
         </p:blipFill>
         <p:spPr>
           <a:xfrm>
-            <a:off x="1976261" y="1302612"/>
-            <a:ext cx="5655154" cy="1196669"/>
-          </a:xfrm>
-          <a:prstGeom prst="rect">
-            <a:avLst/>
-          </a:prstGeom>
-          <a:noFill/>
-          <a:ln>
-            <a:noFill/>
-          </a:ln>
-        </p:spPr>
-      </p:pic>
-      <p:pic>
-        <p:nvPicPr>
-          <p:cNvPr id="245" name="Google Shape;245;p44"/>
-          <p:cNvPicPr preferRelativeResize="0"/>
-          <p:nvPr/>
-        </p:nvPicPr>
-        <p:blipFill rotWithShape="1">
-          <a:blip r:embed="rId4">
-            <a:alphaModFix/>
-          </a:blip>
-          <a:srcRect/>
-          <a:stretch/>
-        </p:blipFill>
-        <p:spPr>
-          <a:xfrm>
-            <a:off x="3787982" y="4614652"/>
+            <a:off x="3787982" y="4614653"/>
             <a:ext cx="1369700" cy="331158"/>
           </a:xfrm>
           <a:prstGeom prst="rect">
@@ -31082,145 +33362,139 @@
       </p:pic>
       <p:sp>
         <p:nvSpPr>
-          <p:cNvPr id="246" name="Google Shape;246;p44"/>
+          <p:cNvPr id="2" name="TextBox 1">
+            <a:extLst>
+              <a:ext uri="{FF2B5EF4-FFF2-40B4-BE49-F238E27FC236}">
+                <a16:creationId xmlns:a16="http://schemas.microsoft.com/office/drawing/2014/main" id="{D81ABA18-3134-F913-4F36-2B9EF87733F0}"/>
+              </a:ext>
+            </a:extLst>
+          </p:cNvPr>
           <p:cNvSpPr txBox="1"/>
           <p:nvPr/>
         </p:nvSpPr>
         <p:spPr>
           <a:xfrm>
-            <a:off x="989815" y="2736130"/>
-            <a:ext cx="3167406" cy="746328"/>
+            <a:off x="2533304" y="254839"/>
+            <a:ext cx="3879056" cy="415498"/>
           </a:xfrm>
           <a:prstGeom prst="rect">
             <a:avLst/>
           </a:prstGeom>
           <a:noFill/>
-          <a:ln>
-            <a:noFill/>
-          </a:ln>
         </p:spPr>
         <p:txBody>
-          <a:bodyPr spcFirstLastPara="1" wrap="square" lIns="68575" tIns="34275" rIns="68575" bIns="34275" anchor="t" anchorCtr="0">
+          <a:bodyPr wrap="square" rtlCol="0">
             <a:spAutoFit/>
           </a:bodyPr>
           <a:lstStyle/>
           <a:p>
-            <a:pPr marL="0" marR="0" lvl="1" indent="0" algn="l" rtl="0">
-              <a:lnSpc>
-                <a:spcPct val="100000"/>
-              </a:lnSpc>
-              <a:spcBef>
-                <a:spcPts val="0"/>
-              </a:spcBef>
-              <a:spcAft>
-                <a:spcPts val="0"/>
-              </a:spcAft>
-              <a:buNone/>
-            </a:pPr>
             <a:r>
-              <a:rPr lang="en" sz="1100" b="0" i="0" u="none" strike="noStrike" cap="none" dirty="0">
+              <a:rPr lang="en-US" sz="2100" b="1" dirty="0">
                 <a:solidFill>
-                  <a:schemeClr val="lt1"/>
+                  <a:schemeClr val="bg1"/>
                 </a:solidFill>
                 <a:latin typeface="Times New Roman" panose="02020603050405020304" pitchFamily="18" charset="0"/>
                 <a:cs typeface="Times New Roman" panose="02020603050405020304" pitchFamily="18" charset="0"/>
-                <a:sym typeface="Arial"/>
               </a:rPr>
-              <a:t>Submitted By : Vivek K, Harshitha P, Shashank K</a:t>
+              <a:t>Ability to scale-up in enterprises</a:t>
             </a:r>
-            <a:endParaRPr sz="1100" b="0" i="0" u="none" strike="noStrike" cap="none" dirty="0">
+            <a:endParaRPr lang="en-IN" sz="2100" b="1" dirty="0">
               <a:solidFill>
-                <a:srgbClr val="000000"/>
+                <a:schemeClr val="bg1"/>
               </a:solidFill>
-              <a:latin typeface="Times New Roman" panose="02020603050405020304" pitchFamily="18" charset="0"/>
-              <a:cs typeface="Times New Roman" panose="02020603050405020304" pitchFamily="18" charset="0"/>
-              <a:sym typeface="Arial"/>
-            </a:endParaRPr>
-          </a:p>
-          <a:p>
-            <a:pPr marL="0" marR="0" lvl="1" indent="0" algn="l" rtl="0">
-              <a:lnSpc>
-                <a:spcPct val="100000"/>
-              </a:lnSpc>
-              <a:spcBef>
-                <a:spcPts val="0"/>
-              </a:spcBef>
-              <a:spcAft>
-                <a:spcPts val="0"/>
-              </a:spcAft>
-              <a:buNone/>
-            </a:pPr>
-            <a:r>
-              <a:rPr lang="en" sz="1100" b="0" i="0" u="none" strike="noStrike" cap="none" dirty="0">
-                <a:solidFill>
-                  <a:schemeClr val="lt1"/>
-                </a:solidFill>
-                <a:latin typeface="Times New Roman" panose="02020603050405020304" pitchFamily="18" charset="0"/>
-                <a:cs typeface="Times New Roman" panose="02020603050405020304" pitchFamily="18" charset="0"/>
-                <a:sym typeface="Arial"/>
-              </a:rPr>
-              <a:t>Email : kvivek1339@gmail.com</a:t>
-            </a:r>
-            <a:endParaRPr sz="1100" dirty="0">
               <a:latin typeface="Times New Roman" panose="02020603050405020304" pitchFamily="18" charset="0"/>
               <a:cs typeface="Times New Roman" panose="02020603050405020304" pitchFamily="18" charset="0"/>
             </a:endParaRPr>
           </a:p>
+        </p:txBody>
+      </p:sp>
+      <p:sp>
+        <p:nvSpPr>
+          <p:cNvPr id="3" name="TextBox 2">
+            <a:extLst>
+              <a:ext uri="{FF2B5EF4-FFF2-40B4-BE49-F238E27FC236}">
+                <a16:creationId xmlns:a16="http://schemas.microsoft.com/office/drawing/2014/main" id="{875499DC-C40F-7E26-EB9B-FC533908A4F0}"/>
+              </a:ext>
+            </a:extLst>
+          </p:cNvPr>
+          <p:cNvSpPr txBox="1"/>
+          <p:nvPr/>
+        </p:nvSpPr>
+        <p:spPr>
+          <a:xfrm>
+            <a:off x="700088" y="735806"/>
+            <a:ext cx="7743824" cy="1538883"/>
+          </a:xfrm>
+          <a:prstGeom prst="rect">
+            <a:avLst/>
+          </a:prstGeom>
+          <a:noFill/>
+        </p:spPr>
+        <p:txBody>
+          <a:bodyPr wrap="square" rtlCol="0">
+            <a:spAutoFit/>
+          </a:bodyPr>
+          <a:lstStyle/>
           <a:p>
-            <a:pPr marL="0" marR="0" lvl="1" indent="0" algn="l" rtl="0">
-              <a:lnSpc>
-                <a:spcPct val="100000"/>
-              </a:lnSpc>
-              <a:spcBef>
-                <a:spcPts val="0"/>
-              </a:spcBef>
-              <a:spcAft>
-                <a:spcPts val="0"/>
-              </a:spcAft>
-              <a:buNone/>
+            <a:pPr marL="285750" indent="-285750">
+              <a:buClr>
+                <a:schemeClr val="bg1"/>
+              </a:buClr>
+              <a:buFont typeface="Arial" panose="020B0604020202020204" pitchFamily="34" charset="0"/>
+              <a:buChar char="•"/>
             </a:pPr>
             <a:r>
-              <a:rPr lang="en" sz="1100" b="0" i="0" u="none" strike="noStrike" cap="none" dirty="0">
+              <a:rPr lang="en-US" sz="1600" dirty="0">
                 <a:solidFill>
-                  <a:schemeClr val="lt1"/>
+                  <a:schemeClr val="bg1"/>
                 </a:solidFill>
                 <a:latin typeface="Times New Roman" panose="02020603050405020304" pitchFamily="18" charset="0"/>
                 <a:cs typeface="Times New Roman" panose="02020603050405020304" pitchFamily="18" charset="0"/>
-                <a:sym typeface="Arial"/>
               </a:rPr>
-              <a:t>Mobile No: 97435517644</a:t>
+              <a:t>Scalability of different components like the encryption or decryption process as Azure functions are use which will be triggered when there are any changes in the blob storage containers </a:t>
             </a:r>
-            <a:endParaRPr sz="1100" dirty="0">
+          </a:p>
+          <a:p>
+            <a:pPr marL="285750" indent="-285750">
+              <a:buClr>
+                <a:schemeClr val="bg1"/>
+              </a:buClr>
+              <a:buFont typeface="Arial" panose="020B0604020202020204" pitchFamily="34" charset="0"/>
+              <a:buChar char="•"/>
+            </a:pPr>
+            <a:r>
+              <a:rPr lang="en-US" sz="1600" dirty="0">
+                <a:solidFill>
+                  <a:schemeClr val="bg1"/>
+                </a:solidFill>
+                <a:latin typeface="Times New Roman" panose="02020603050405020304" pitchFamily="18" charset="0"/>
+                <a:cs typeface="Times New Roman" panose="02020603050405020304" pitchFamily="18" charset="0"/>
+              </a:rPr>
+              <a:t>The number of storage containers can be incremented as per the requirements of the use case</a:t>
+            </a:r>
+          </a:p>
+          <a:p>
+            <a:pPr>
+              <a:buClr>
+                <a:schemeClr val="bg1"/>
+              </a:buClr>
+            </a:pPr>
+            <a:endParaRPr lang="en-IN" dirty="0">
+              <a:solidFill>
+                <a:schemeClr val="bg1"/>
+              </a:solidFill>
               <a:latin typeface="Times New Roman" panose="02020603050405020304" pitchFamily="18" charset="0"/>
               <a:cs typeface="Times New Roman" panose="02020603050405020304" pitchFamily="18" charset="0"/>
-            </a:endParaRPr>
-          </a:p>
-          <a:p>
-            <a:pPr marL="0" marR="0" lvl="0" indent="0" algn="l" rtl="0">
-              <a:lnSpc>
-                <a:spcPct val="100000"/>
-              </a:lnSpc>
-              <a:spcBef>
-                <a:spcPts val="0"/>
-              </a:spcBef>
-              <a:spcAft>
-                <a:spcPts val="0"/>
-              </a:spcAft>
-              <a:buNone/>
-            </a:pPr>
-            <a:endParaRPr sz="1100" b="0" i="0" u="none" strike="noStrike" cap="none" dirty="0">
-              <a:solidFill>
-                <a:srgbClr val="000000"/>
-              </a:solidFill>
-              <a:latin typeface="Arial"/>
-              <a:ea typeface="Arial"/>
-              <a:cs typeface="Arial"/>
-              <a:sym typeface="Arial"/>
             </a:endParaRPr>
           </a:p>
         </p:txBody>
       </p:sp>
     </p:spTree>
+    <p:extLst>
+      <p:ext uri="{BB962C8B-B14F-4D97-AF65-F5344CB8AC3E}">
+        <p14:creationId xmlns:p14="http://schemas.microsoft.com/office/powerpoint/2010/main" val="2340258474"/>
+      </p:ext>
+    </p:extLst>
   </p:cSld>
   <p:clrMapOvr>
     <a:masterClrMapping/>

--- a/idea/idea_video_compression.pptx
+++ b/idea/idea_video_compression.pptx
@@ -7,7 +7,7 @@
     <p:sldMasterId id="2147483684" r:id="rId3"/>
   </p:sldMasterIdLst>
   <p:notesMasterIdLst>
-    <p:notesMasterId r:id="rId17"/>
+    <p:notesMasterId r:id="rId18"/>
   </p:notesMasterIdLst>
   <p:sldIdLst>
     <p:sldId id="256" r:id="rId4"/>
@@ -16,30 +16,31 @@
     <p:sldId id="259" r:id="rId7"/>
     <p:sldId id="260" r:id="rId8"/>
     <p:sldId id="263" r:id="rId9"/>
-    <p:sldId id="269" r:id="rId10"/>
-    <p:sldId id="261" r:id="rId11"/>
-    <p:sldId id="270" r:id="rId12"/>
-    <p:sldId id="266" r:id="rId13"/>
-    <p:sldId id="268" r:id="rId14"/>
-    <p:sldId id="267" r:id="rId15"/>
-    <p:sldId id="262" r:id="rId16"/>
+    <p:sldId id="271" r:id="rId10"/>
+    <p:sldId id="269" r:id="rId11"/>
+    <p:sldId id="261" r:id="rId12"/>
+    <p:sldId id="270" r:id="rId13"/>
+    <p:sldId id="266" r:id="rId14"/>
+    <p:sldId id="268" r:id="rId15"/>
+    <p:sldId id="267" r:id="rId16"/>
+    <p:sldId id="262" r:id="rId17"/>
   </p:sldIdLst>
   <p:sldSz cx="9144000" cy="5143500" type="screen16x9"/>
   <p:notesSz cx="6858000" cy="9144000"/>
   <p:embeddedFontLst>
     <p:embeddedFont>
       <p:font typeface="Calibri" panose="020F0502020204030204" pitchFamily="34" charset="0"/>
-      <p:regular r:id="rId18"/>
-      <p:bold r:id="rId19"/>
-      <p:italic r:id="rId20"/>
-      <p:boldItalic r:id="rId21"/>
+      <p:regular r:id="rId19"/>
+      <p:bold r:id="rId20"/>
+      <p:italic r:id="rId21"/>
+      <p:boldItalic r:id="rId22"/>
     </p:embeddedFont>
     <p:embeddedFont>
       <p:font typeface="Century Schoolbook" panose="02040604050505020304" pitchFamily="18" charset="0"/>
-      <p:regular r:id="rId22"/>
-      <p:bold r:id="rId23"/>
-      <p:italic r:id="rId24"/>
-      <p:boldItalic r:id="rId25"/>
+      <p:regular r:id="rId23"/>
+      <p:bold r:id="rId24"/>
+      <p:italic r:id="rId25"/>
+      <p:boldItalic r:id="rId26"/>
     </p:embeddedFont>
   </p:embeddedFontLst>
   <p:defaultTextStyle>
@@ -920,6 +921,133 @@
   <p:cSld>
     <p:spTree>
       <p:nvGrpSpPr>
+        <p:cNvPr id="1" name="Shape 194"/>
+        <p:cNvGrpSpPr/>
+        <p:nvPr/>
+      </p:nvGrpSpPr>
+      <p:grpSpPr>
+        <a:xfrm>
+          <a:off x="0" y="0"/>
+          <a:ext cx="0" cy="0"/>
+          <a:chOff x="0" y="0"/>
+          <a:chExt cx="0" cy="0"/>
+        </a:xfrm>
+      </p:grpSpPr>
+      <p:sp>
+        <p:nvSpPr>
+          <p:cNvPr id="195" name="Google Shape;195;p7:notes"/>
+          <p:cNvSpPr txBox="1">
+            <a:spLocks noGrp="1"/>
+          </p:cNvSpPr>
+          <p:nvPr>
+            <p:ph type="body" idx="1"/>
+          </p:nvPr>
+        </p:nvSpPr>
+        <p:spPr>
+          <a:xfrm>
+            <a:off x="685800" y="4400550"/>
+            <a:ext cx="5486400" cy="3600450"/>
+          </a:xfrm>
+          <a:prstGeom prst="rect">
+            <a:avLst/>
+          </a:prstGeom>
+          <a:noFill/>
+          <a:ln>
+            <a:noFill/>
+          </a:ln>
+        </p:spPr>
+        <p:txBody>
+          <a:bodyPr spcFirstLastPara="1" wrap="square" lIns="91425" tIns="45700" rIns="91425" bIns="45700" anchor="t" anchorCtr="0">
+            <a:noAutofit/>
+          </a:bodyPr>
+          <a:lstStyle/>
+          <a:p>
+            <a:pPr marL="0" lvl="0" indent="0" algn="l" rtl="0">
+              <a:lnSpc>
+                <a:spcPct val="100000"/>
+              </a:lnSpc>
+              <a:spcBef>
+                <a:spcPts val="0"/>
+              </a:spcBef>
+              <a:spcAft>
+                <a:spcPts val="0"/>
+              </a:spcAft>
+              <a:buSzPts val="1400"/>
+              <a:buNone/>
+            </a:pPr>
+            <a:endParaRPr/>
+          </a:p>
+        </p:txBody>
+      </p:sp>
+      <p:sp>
+        <p:nvSpPr>
+          <p:cNvPr id="196" name="Google Shape;196;p7:notes"/>
+          <p:cNvSpPr>
+            <a:spLocks noGrp="1" noRot="1" noChangeAspect="1"/>
+          </p:cNvSpPr>
+          <p:nvPr>
+            <p:ph type="sldImg" idx="2"/>
+          </p:nvPr>
+        </p:nvSpPr>
+        <p:spPr>
+          <a:xfrm>
+            <a:off x="685800" y="1143000"/>
+            <a:ext cx="5486400" cy="3086100"/>
+          </a:xfrm>
+          <a:custGeom>
+            <a:avLst/>
+            <a:gdLst/>
+            <a:ahLst/>
+            <a:cxnLst/>
+            <a:rect l="l" t="t" r="r" b="b"/>
+            <a:pathLst>
+              <a:path w="120000" h="120000" extrusionOk="0">
+                <a:moveTo>
+                  <a:pt x="0" y="0"/>
+                </a:moveTo>
+                <a:lnTo>
+                  <a:pt x="120000" y="0"/>
+                </a:lnTo>
+                <a:lnTo>
+                  <a:pt x="120000" y="120000"/>
+                </a:lnTo>
+                <a:lnTo>
+                  <a:pt x="0" y="120000"/>
+                </a:lnTo>
+                <a:close/>
+              </a:path>
+            </a:pathLst>
+          </a:custGeom>
+          <a:noFill/>
+          <a:ln w="12700" cap="flat" cmpd="sng">
+            <a:solidFill>
+              <a:srgbClr val="000000"/>
+            </a:solidFill>
+            <a:prstDash val="solid"/>
+            <a:round/>
+            <a:headEnd type="none" w="sm" len="sm"/>
+            <a:tailEnd type="none" w="sm" len="sm"/>
+          </a:ln>
+        </p:spPr>
+      </p:sp>
+    </p:spTree>
+    <p:extLst>
+      <p:ext uri="{BB962C8B-B14F-4D97-AF65-F5344CB8AC3E}">
+        <p14:creationId xmlns:p14="http://schemas.microsoft.com/office/powerpoint/2010/main" val="3476345346"/>
+      </p:ext>
+    </p:extLst>
+  </p:cSld>
+  <p:clrMapOvr>
+    <a:masterClrMapping/>
+  </p:clrMapOvr>
+</p:notes>
+</file>
+
+<file path=ppt/notesSlides/notesSlide11.xml><?xml version="1.0" encoding="utf-8"?>
+<p:notes xmlns:a="http://schemas.openxmlformats.org/drawingml/2006/main" xmlns:r="http://schemas.openxmlformats.org/officeDocument/2006/relationships" xmlns:p="http://schemas.openxmlformats.org/presentationml/2006/main" showMasterSp="0" showMasterPhAnim="0">
+  <p:cSld>
+    <p:spTree>
+      <p:nvGrpSpPr>
         <p:cNvPr id="1" name="Shape 201"/>
         <p:cNvGrpSpPr/>
         <p:nvPr/>
@@ -1042,7 +1170,7 @@
 </p:notes>
 </file>
 
-<file path=ppt/notesSlides/notesSlide11.xml><?xml version="1.0" encoding="utf-8"?>
+<file path=ppt/notesSlides/notesSlide12.xml><?xml version="1.0" encoding="utf-8"?>
 <p:notes xmlns:a="http://schemas.openxmlformats.org/drawingml/2006/main" xmlns:r="http://schemas.openxmlformats.org/officeDocument/2006/relationships" xmlns:p="http://schemas.openxmlformats.org/presentationml/2006/main" showMasterSp="0" showMasterPhAnim="0">
   <p:cSld>
     <p:spTree>
@@ -1169,7 +1297,7 @@
 </p:notes>
 </file>
 
-<file path=ppt/notesSlides/notesSlide12.xml><?xml version="1.0" encoding="utf-8"?>
+<file path=ppt/notesSlides/notesSlide13.xml><?xml version="1.0" encoding="utf-8"?>
 <p:notes xmlns:a="http://schemas.openxmlformats.org/drawingml/2006/main" xmlns:r="http://schemas.openxmlformats.org/officeDocument/2006/relationships" xmlns:p="http://schemas.openxmlformats.org/presentationml/2006/main" showMasterSp="0" showMasterPhAnim="0">
   <p:cSld>
     <p:spTree>
@@ -1296,7 +1424,7 @@
 </p:notes>
 </file>
 
-<file path=ppt/notesSlides/notesSlide13.xml><?xml version="1.0" encoding="utf-8"?>
+<file path=ppt/notesSlides/notesSlide14.xml><?xml version="1.0" encoding="utf-8"?>
 <p:notes xmlns:a="http://schemas.openxmlformats.org/drawingml/2006/main" xmlns:r="http://schemas.openxmlformats.org/officeDocument/2006/relationships" xmlns:p="http://schemas.openxmlformats.org/presentationml/2006/main" showMasterSp="0" showMasterPhAnim="0">
   <p:cSld>
     <p:spTree>
@@ -2145,7 +2273,7 @@
     </p:spTree>
     <p:extLst>
       <p:ext uri="{BB962C8B-B14F-4D97-AF65-F5344CB8AC3E}">
-        <p14:creationId xmlns:p14="http://schemas.microsoft.com/office/powerpoint/2010/main" val="2200158978"/>
+        <p14:creationId xmlns:p14="http://schemas.microsoft.com/office/powerpoint/2010/main" val="953903483"/>
       </p:ext>
     </p:extLst>
   </p:cSld>
@@ -2156,128 +2284,6 @@
 </file>
 
 <file path=ppt/notesSlides/notesSlide8.xml><?xml version="1.0" encoding="utf-8"?>
-<p:notes xmlns:a="http://schemas.openxmlformats.org/drawingml/2006/main" xmlns:r="http://schemas.openxmlformats.org/officeDocument/2006/relationships" xmlns:p="http://schemas.openxmlformats.org/presentationml/2006/main" showMasterSp="0" showMasterPhAnim="0">
-  <p:cSld>
-    <p:spTree>
-      <p:nvGrpSpPr>
-        <p:cNvPr id="1" name="Shape 221"/>
-        <p:cNvGrpSpPr/>
-        <p:nvPr/>
-      </p:nvGrpSpPr>
-      <p:grpSpPr>
-        <a:xfrm>
-          <a:off x="0" y="0"/>
-          <a:ext cx="0" cy="0"/>
-          <a:chOff x="0" y="0"/>
-          <a:chExt cx="0" cy="0"/>
-        </a:xfrm>
-      </p:grpSpPr>
-      <p:sp>
-        <p:nvSpPr>
-          <p:cNvPr id="222" name="Google Shape;222;g12ac36f96a7_2_167:notes"/>
-          <p:cNvSpPr txBox="1">
-            <a:spLocks noGrp="1"/>
-          </p:cNvSpPr>
-          <p:nvPr>
-            <p:ph type="body" idx="1"/>
-          </p:nvPr>
-        </p:nvSpPr>
-        <p:spPr>
-          <a:xfrm>
-            <a:off x="685800" y="4400550"/>
-            <a:ext cx="5486400" cy="3600450"/>
-          </a:xfrm>
-          <a:prstGeom prst="rect">
-            <a:avLst/>
-          </a:prstGeom>
-          <a:noFill/>
-          <a:ln>
-            <a:noFill/>
-          </a:ln>
-        </p:spPr>
-        <p:txBody>
-          <a:bodyPr spcFirstLastPara="1" wrap="square" lIns="91425" tIns="45700" rIns="91425" bIns="45700" anchor="t" anchorCtr="0">
-            <a:noAutofit/>
-          </a:bodyPr>
-          <a:lstStyle/>
-          <a:p>
-            <a:pPr marL="0" lvl="0" indent="0" algn="l" rtl="0">
-              <a:lnSpc>
-                <a:spcPct val="100000"/>
-              </a:lnSpc>
-              <a:spcBef>
-                <a:spcPts val="0"/>
-              </a:spcBef>
-              <a:spcAft>
-                <a:spcPts val="0"/>
-              </a:spcAft>
-              <a:buSzPts val="1400"/>
-              <a:buNone/>
-            </a:pPr>
-            <a:endParaRPr/>
-          </a:p>
-        </p:txBody>
-      </p:sp>
-      <p:sp>
-        <p:nvSpPr>
-          <p:cNvPr id="223" name="Google Shape;223;g12ac36f96a7_2_167:notes"/>
-          <p:cNvSpPr>
-            <a:spLocks noGrp="1" noRot="1" noChangeAspect="1"/>
-          </p:cNvSpPr>
-          <p:nvPr>
-            <p:ph type="sldImg" idx="2"/>
-          </p:nvPr>
-        </p:nvSpPr>
-        <p:spPr>
-          <a:xfrm>
-            <a:off x="685800" y="1143000"/>
-            <a:ext cx="5486400" cy="3086100"/>
-          </a:xfrm>
-          <a:custGeom>
-            <a:avLst/>
-            <a:gdLst/>
-            <a:ahLst/>
-            <a:cxnLst/>
-            <a:rect l="l" t="t" r="r" b="b"/>
-            <a:pathLst>
-              <a:path w="120000" h="120000" extrusionOk="0">
-                <a:moveTo>
-                  <a:pt x="0" y="0"/>
-                </a:moveTo>
-                <a:lnTo>
-                  <a:pt x="120000" y="0"/>
-                </a:lnTo>
-                <a:lnTo>
-                  <a:pt x="120000" y="120000"/>
-                </a:lnTo>
-                <a:lnTo>
-                  <a:pt x="0" y="120000"/>
-                </a:lnTo>
-                <a:close/>
-              </a:path>
-            </a:pathLst>
-          </a:custGeom>
-          <a:noFill/>
-          <a:ln w="12700" cap="flat" cmpd="sng">
-            <a:solidFill>
-              <a:srgbClr val="000000"/>
-            </a:solidFill>
-            <a:prstDash val="solid"/>
-            <a:round/>
-            <a:headEnd type="none" w="sm" len="sm"/>
-            <a:tailEnd type="none" w="sm" len="sm"/>
-          </a:ln>
-        </p:spPr>
-      </p:sp>
-    </p:spTree>
-  </p:cSld>
-  <p:clrMapOvr>
-    <a:masterClrMapping/>
-  </p:clrMapOvr>
-</p:notes>
-</file>
-
-<file path=ppt/notesSlides/notesSlide9.xml><?xml version="1.0" encoding="utf-8"?>
 <p:notes xmlns:a="http://schemas.openxmlformats.org/drawingml/2006/main" xmlns:r="http://schemas.openxmlformats.org/officeDocument/2006/relationships" xmlns:p="http://schemas.openxmlformats.org/presentationml/2006/main" showMasterSp="0" showMasterPhAnim="0">
   <p:cSld>
     <p:spTree>
@@ -2394,9 +2400,131 @@
     </p:spTree>
     <p:extLst>
       <p:ext uri="{BB962C8B-B14F-4D97-AF65-F5344CB8AC3E}">
-        <p14:creationId xmlns:p14="http://schemas.microsoft.com/office/powerpoint/2010/main" val="3476345346"/>
+        <p14:creationId xmlns:p14="http://schemas.microsoft.com/office/powerpoint/2010/main" val="2200158978"/>
       </p:ext>
     </p:extLst>
+  </p:cSld>
+  <p:clrMapOvr>
+    <a:masterClrMapping/>
+  </p:clrMapOvr>
+</p:notes>
+</file>
+
+<file path=ppt/notesSlides/notesSlide9.xml><?xml version="1.0" encoding="utf-8"?>
+<p:notes xmlns:a="http://schemas.openxmlformats.org/drawingml/2006/main" xmlns:r="http://schemas.openxmlformats.org/officeDocument/2006/relationships" xmlns:p="http://schemas.openxmlformats.org/presentationml/2006/main" showMasterSp="0" showMasterPhAnim="0">
+  <p:cSld>
+    <p:spTree>
+      <p:nvGrpSpPr>
+        <p:cNvPr id="1" name="Shape 221"/>
+        <p:cNvGrpSpPr/>
+        <p:nvPr/>
+      </p:nvGrpSpPr>
+      <p:grpSpPr>
+        <a:xfrm>
+          <a:off x="0" y="0"/>
+          <a:ext cx="0" cy="0"/>
+          <a:chOff x="0" y="0"/>
+          <a:chExt cx="0" cy="0"/>
+        </a:xfrm>
+      </p:grpSpPr>
+      <p:sp>
+        <p:nvSpPr>
+          <p:cNvPr id="222" name="Google Shape;222;g12ac36f96a7_2_167:notes"/>
+          <p:cNvSpPr txBox="1">
+            <a:spLocks noGrp="1"/>
+          </p:cNvSpPr>
+          <p:nvPr>
+            <p:ph type="body" idx="1"/>
+          </p:nvPr>
+        </p:nvSpPr>
+        <p:spPr>
+          <a:xfrm>
+            <a:off x="685800" y="4400550"/>
+            <a:ext cx="5486400" cy="3600450"/>
+          </a:xfrm>
+          <a:prstGeom prst="rect">
+            <a:avLst/>
+          </a:prstGeom>
+          <a:noFill/>
+          <a:ln>
+            <a:noFill/>
+          </a:ln>
+        </p:spPr>
+        <p:txBody>
+          <a:bodyPr spcFirstLastPara="1" wrap="square" lIns="91425" tIns="45700" rIns="91425" bIns="45700" anchor="t" anchorCtr="0">
+            <a:noAutofit/>
+          </a:bodyPr>
+          <a:lstStyle/>
+          <a:p>
+            <a:pPr marL="0" lvl="0" indent="0" algn="l" rtl="0">
+              <a:lnSpc>
+                <a:spcPct val="100000"/>
+              </a:lnSpc>
+              <a:spcBef>
+                <a:spcPts val="0"/>
+              </a:spcBef>
+              <a:spcAft>
+                <a:spcPts val="0"/>
+              </a:spcAft>
+              <a:buSzPts val="1400"/>
+              <a:buNone/>
+            </a:pPr>
+            <a:endParaRPr/>
+          </a:p>
+        </p:txBody>
+      </p:sp>
+      <p:sp>
+        <p:nvSpPr>
+          <p:cNvPr id="223" name="Google Shape;223;g12ac36f96a7_2_167:notes"/>
+          <p:cNvSpPr>
+            <a:spLocks noGrp="1" noRot="1" noChangeAspect="1"/>
+          </p:cNvSpPr>
+          <p:nvPr>
+            <p:ph type="sldImg" idx="2"/>
+          </p:nvPr>
+        </p:nvSpPr>
+        <p:spPr>
+          <a:xfrm>
+            <a:off x="685800" y="1143000"/>
+            <a:ext cx="5486400" cy="3086100"/>
+          </a:xfrm>
+          <a:custGeom>
+            <a:avLst/>
+            <a:gdLst/>
+            <a:ahLst/>
+            <a:cxnLst/>
+            <a:rect l="l" t="t" r="r" b="b"/>
+            <a:pathLst>
+              <a:path w="120000" h="120000" extrusionOk="0">
+                <a:moveTo>
+                  <a:pt x="0" y="0"/>
+                </a:moveTo>
+                <a:lnTo>
+                  <a:pt x="120000" y="0"/>
+                </a:lnTo>
+                <a:lnTo>
+                  <a:pt x="120000" y="120000"/>
+                </a:lnTo>
+                <a:lnTo>
+                  <a:pt x="0" y="120000"/>
+                </a:lnTo>
+                <a:close/>
+              </a:path>
+            </a:pathLst>
+          </a:custGeom>
+          <a:noFill/>
+          <a:ln w="12700" cap="flat" cmpd="sng">
+            <a:solidFill>
+              <a:srgbClr val="000000"/>
+            </a:solidFill>
+            <a:prstDash val="solid"/>
+            <a:round/>
+            <a:headEnd type="none" w="sm" len="sm"/>
+            <a:tailEnd type="none" w="sm" len="sm"/>
+          </a:ln>
+        </p:spPr>
+      </p:sp>
+    </p:spTree>
   </p:cSld>
   <p:clrMapOvr>
     <a:masterClrMapping/>
@@ -28614,6 +28742,226 @@
   <p:cSld>
     <p:spTree>
       <p:nvGrpSpPr>
+        <p:cNvPr id="1" name="Shape 197"/>
+        <p:cNvGrpSpPr/>
+        <p:nvPr/>
+      </p:nvGrpSpPr>
+      <p:grpSpPr>
+        <a:xfrm>
+          <a:off x="0" y="0"/>
+          <a:ext cx="0" cy="0"/>
+          <a:chOff x="0" y="0"/>
+          <a:chExt cx="0" cy="0"/>
+        </a:xfrm>
+      </p:grpSpPr>
+      <p:sp>
+        <p:nvSpPr>
+          <p:cNvPr id="198" name="Google Shape;198;p7"/>
+          <p:cNvSpPr/>
+          <p:nvPr/>
+        </p:nvSpPr>
+        <p:spPr>
+          <a:xfrm>
+            <a:off x="0" y="0"/>
+            <a:ext cx="9144000" cy="5143500"/>
+          </a:xfrm>
+          <a:prstGeom prst="rect">
+            <a:avLst/>
+          </a:prstGeom>
+          <a:solidFill>
+            <a:srgbClr val="2F0E3C"/>
+          </a:solidFill>
+          <a:ln>
+            <a:noFill/>
+          </a:ln>
+        </p:spPr>
+        <p:txBody>
+          <a:bodyPr spcFirstLastPara="1" wrap="square" lIns="61219" tIns="30600" rIns="61219" bIns="30600" anchor="t" anchorCtr="0">
+            <a:noAutofit/>
+          </a:bodyPr>
+          <a:lstStyle/>
+          <a:p>
+            <a:pPr>
+              <a:buSzPts val="1633"/>
+            </a:pPr>
+            <a:endParaRPr sz="1225"/>
+          </a:p>
+        </p:txBody>
+      </p:sp>
+      <p:pic>
+        <p:nvPicPr>
+          <p:cNvPr id="200" name="Google Shape;200;p7"/>
+          <p:cNvPicPr preferRelativeResize="0"/>
+          <p:nvPr/>
+        </p:nvPicPr>
+        <p:blipFill rotWithShape="1">
+          <a:blip r:embed="rId3">
+            <a:alphaModFix/>
+          </a:blip>
+          <a:srcRect/>
+          <a:stretch/>
+        </p:blipFill>
+        <p:spPr>
+          <a:xfrm>
+            <a:off x="3787982" y="4614653"/>
+            <a:ext cx="1369700" cy="331158"/>
+          </a:xfrm>
+          <a:prstGeom prst="rect">
+            <a:avLst/>
+          </a:prstGeom>
+          <a:noFill/>
+          <a:ln>
+            <a:noFill/>
+          </a:ln>
+        </p:spPr>
+      </p:pic>
+      <p:sp>
+        <p:nvSpPr>
+          <p:cNvPr id="2" name="TextBox 1">
+            <a:extLst>
+              <a:ext uri="{FF2B5EF4-FFF2-40B4-BE49-F238E27FC236}">
+                <a16:creationId xmlns:a16="http://schemas.microsoft.com/office/drawing/2014/main" id="{D81ABA18-3134-F913-4F36-2B9EF87733F0}"/>
+              </a:ext>
+            </a:extLst>
+          </p:cNvPr>
+          <p:cNvSpPr txBox="1"/>
+          <p:nvPr/>
+        </p:nvSpPr>
+        <p:spPr>
+          <a:xfrm>
+            <a:off x="2533304" y="254839"/>
+            <a:ext cx="3879056" cy="415498"/>
+          </a:xfrm>
+          <a:prstGeom prst="rect">
+            <a:avLst/>
+          </a:prstGeom>
+          <a:noFill/>
+        </p:spPr>
+        <p:txBody>
+          <a:bodyPr wrap="square" rtlCol="0">
+            <a:spAutoFit/>
+          </a:bodyPr>
+          <a:lstStyle/>
+          <a:p>
+            <a:r>
+              <a:rPr lang="en-US" sz="2100" b="1" dirty="0">
+                <a:solidFill>
+                  <a:schemeClr val="bg1"/>
+                </a:solidFill>
+                <a:latin typeface="Times New Roman" panose="02020603050405020304" pitchFamily="18" charset="0"/>
+                <a:cs typeface="Times New Roman" panose="02020603050405020304" pitchFamily="18" charset="0"/>
+              </a:rPr>
+              <a:t>Ability to scale-up in enterprises</a:t>
+            </a:r>
+            <a:endParaRPr lang="en-IN" sz="2100" b="1" dirty="0">
+              <a:solidFill>
+                <a:schemeClr val="bg1"/>
+              </a:solidFill>
+              <a:latin typeface="Times New Roman" panose="02020603050405020304" pitchFamily="18" charset="0"/>
+              <a:cs typeface="Times New Roman" panose="02020603050405020304" pitchFamily="18" charset="0"/>
+            </a:endParaRPr>
+          </a:p>
+        </p:txBody>
+      </p:sp>
+      <p:sp>
+        <p:nvSpPr>
+          <p:cNvPr id="3" name="TextBox 2">
+            <a:extLst>
+              <a:ext uri="{FF2B5EF4-FFF2-40B4-BE49-F238E27FC236}">
+                <a16:creationId xmlns:a16="http://schemas.microsoft.com/office/drawing/2014/main" id="{875499DC-C40F-7E26-EB9B-FC533908A4F0}"/>
+              </a:ext>
+            </a:extLst>
+          </p:cNvPr>
+          <p:cNvSpPr txBox="1"/>
+          <p:nvPr/>
+        </p:nvSpPr>
+        <p:spPr>
+          <a:xfrm>
+            <a:off x="700088" y="735806"/>
+            <a:ext cx="7743824" cy="1538883"/>
+          </a:xfrm>
+          <a:prstGeom prst="rect">
+            <a:avLst/>
+          </a:prstGeom>
+          <a:noFill/>
+        </p:spPr>
+        <p:txBody>
+          <a:bodyPr wrap="square" rtlCol="0">
+            <a:spAutoFit/>
+          </a:bodyPr>
+          <a:lstStyle/>
+          <a:p>
+            <a:pPr marL="285750" indent="-285750">
+              <a:buClr>
+                <a:schemeClr val="bg1"/>
+              </a:buClr>
+              <a:buFont typeface="Arial" panose="020B0604020202020204" pitchFamily="34" charset="0"/>
+              <a:buChar char="•"/>
+            </a:pPr>
+            <a:r>
+              <a:rPr lang="en-US" sz="1600" dirty="0">
+                <a:solidFill>
+                  <a:schemeClr val="bg1"/>
+                </a:solidFill>
+                <a:latin typeface="Times New Roman" panose="02020603050405020304" pitchFamily="18" charset="0"/>
+                <a:cs typeface="Times New Roman" panose="02020603050405020304" pitchFamily="18" charset="0"/>
+              </a:rPr>
+              <a:t>Scalability of different components like the encryption or decryption process as Azure functions are use which will be triggered when there are any changes in the blob storage containers </a:t>
+            </a:r>
+          </a:p>
+          <a:p>
+            <a:pPr marL="285750" indent="-285750">
+              <a:buClr>
+                <a:schemeClr val="bg1"/>
+              </a:buClr>
+              <a:buFont typeface="Arial" panose="020B0604020202020204" pitchFamily="34" charset="0"/>
+              <a:buChar char="•"/>
+            </a:pPr>
+            <a:r>
+              <a:rPr lang="en-US" sz="1600" dirty="0">
+                <a:solidFill>
+                  <a:schemeClr val="bg1"/>
+                </a:solidFill>
+                <a:latin typeface="Times New Roman" panose="02020603050405020304" pitchFamily="18" charset="0"/>
+                <a:cs typeface="Times New Roman" panose="02020603050405020304" pitchFamily="18" charset="0"/>
+              </a:rPr>
+              <a:t>The number of storage containers can be incremented as per the requirements of the use case</a:t>
+            </a:r>
+          </a:p>
+          <a:p>
+            <a:pPr>
+              <a:buClr>
+                <a:schemeClr val="bg1"/>
+              </a:buClr>
+            </a:pPr>
+            <a:endParaRPr lang="en-IN" dirty="0">
+              <a:solidFill>
+                <a:schemeClr val="bg1"/>
+              </a:solidFill>
+              <a:latin typeface="Times New Roman" panose="02020603050405020304" pitchFamily="18" charset="0"/>
+              <a:cs typeface="Times New Roman" panose="02020603050405020304" pitchFamily="18" charset="0"/>
+            </a:endParaRPr>
+          </a:p>
+        </p:txBody>
+      </p:sp>
+    </p:spTree>
+    <p:extLst>
+      <p:ext uri="{BB962C8B-B14F-4D97-AF65-F5344CB8AC3E}">
+        <p14:creationId xmlns:p14="http://schemas.microsoft.com/office/powerpoint/2010/main" val="2340258474"/>
+      </p:ext>
+    </p:extLst>
+  </p:cSld>
+  <p:clrMapOvr>
+    <a:masterClrMapping/>
+  </p:clrMapOvr>
+</p:sld>
+</file>
+
+<file path=ppt/slides/slide11.xml><?xml version="1.0" encoding="utf-8"?>
+<p:sld xmlns:a="http://schemas.openxmlformats.org/drawingml/2006/main" xmlns:r="http://schemas.openxmlformats.org/officeDocument/2006/relationships" xmlns:p="http://schemas.openxmlformats.org/presentationml/2006/main">
+  <p:cSld>
+    <p:spTree>
+      <p:nvGrpSpPr>
         <p:cNvPr id="1" name="Shape 204"/>
         <p:cNvGrpSpPr/>
         <p:nvPr/>
@@ -28933,7 +29281,7 @@
 </p:sld>
 </file>
 
-<file path=ppt/slides/slide11.xml><?xml version="1.0" encoding="utf-8"?>
+<file path=ppt/slides/slide12.xml><?xml version="1.0" encoding="utf-8"?>
 <p:sld xmlns:a="http://schemas.openxmlformats.org/drawingml/2006/main" xmlns:r="http://schemas.openxmlformats.org/officeDocument/2006/relationships" xmlns:p="http://schemas.openxmlformats.org/presentationml/2006/main">
   <p:cSld>
     <p:spTree>
@@ -29147,7 +29495,7 @@
 </p:sld>
 </file>
 
-<file path=ppt/slides/slide12.xml><?xml version="1.0" encoding="utf-8"?>
+<file path=ppt/slides/slide13.xml><?xml version="1.0" encoding="utf-8"?>
 <p:sld xmlns:a="http://schemas.openxmlformats.org/drawingml/2006/main" xmlns:r="http://schemas.openxmlformats.org/officeDocument/2006/relationships" xmlns:p="http://schemas.openxmlformats.org/presentationml/2006/main">
   <p:cSld>
     <p:spTree>
@@ -29401,7 +29749,7 @@
 </p:sld>
 </file>
 
-<file path=ppt/slides/slide13.xml><?xml version="1.0" encoding="utf-8"?>
+<file path=ppt/slides/slide14.xml><?xml version="1.0" encoding="utf-8"?>
 <p:sld xmlns:a="http://schemas.openxmlformats.org/drawingml/2006/main" xmlns:r="http://schemas.openxmlformats.org/officeDocument/2006/relationships" xmlns:p="http://schemas.openxmlformats.org/presentationml/2006/main">
   <p:cSld>
     <p:spTree>
@@ -32110,6 +32458,197 @@
         </p:nvSpPr>
         <p:spPr>
           <a:xfrm>
+            <a:off x="-19" y="0"/>
+            <a:ext cx="9144000" cy="5143500"/>
+          </a:xfrm>
+          <a:prstGeom prst="rect">
+            <a:avLst/>
+          </a:prstGeom>
+          <a:solidFill>
+            <a:srgbClr val="2F0E3C"/>
+          </a:solidFill>
+          <a:ln>
+            <a:noFill/>
+          </a:ln>
+        </p:spPr>
+        <p:txBody>
+          <a:bodyPr spcFirstLastPara="1" wrap="square" lIns="61219" tIns="30600" rIns="61219" bIns="30600" anchor="t" anchorCtr="0">
+            <a:noAutofit/>
+          </a:bodyPr>
+          <a:lstStyle/>
+          <a:p>
+            <a:pPr>
+              <a:buSzPts val="1633"/>
+            </a:pPr>
+            <a:endParaRPr sz="1225"/>
+          </a:p>
+        </p:txBody>
+      </p:sp>
+      <p:sp>
+        <p:nvSpPr>
+          <p:cNvPr id="199" name="Google Shape;199;p7"/>
+          <p:cNvSpPr/>
+          <p:nvPr/>
+        </p:nvSpPr>
+        <p:spPr>
+          <a:xfrm>
+            <a:off x="2261812" y="621505"/>
+            <a:ext cx="4620338" cy="476917"/>
+          </a:xfrm>
+          <a:prstGeom prst="rect">
+            <a:avLst/>
+          </a:prstGeom>
+          <a:noFill/>
+          <a:ln>
+            <a:noFill/>
+          </a:ln>
+        </p:spPr>
+        <p:txBody>
+          <a:bodyPr spcFirstLastPara="1" wrap="square" lIns="61219" tIns="30600" rIns="61219" bIns="30600" anchor="t" anchorCtr="0">
+            <a:noAutofit/>
+          </a:bodyPr>
+          <a:lstStyle/>
+          <a:p>
+            <a:pPr algn="ctr">
+              <a:lnSpc>
+                <a:spcPct val="42000"/>
+              </a:lnSpc>
+              <a:buSzPts val="2400"/>
+            </a:pPr>
+            <a:r>
+              <a:rPr lang="en-US" sz="2100" b="1" dirty="0">
+                <a:solidFill>
+                  <a:schemeClr val="lt1"/>
+                </a:solidFill>
+                <a:latin typeface="Times New Roman" panose="02020603050405020304" pitchFamily="18" charset="0"/>
+                <a:ea typeface="Lato"/>
+                <a:cs typeface="Times New Roman" panose="02020603050405020304" pitchFamily="18" charset="0"/>
+                <a:sym typeface="Lato"/>
+              </a:rPr>
+              <a:t>Demo video</a:t>
+            </a:r>
+            <a:endParaRPr lang="en-US" sz="2100" dirty="0">
+              <a:solidFill>
+                <a:schemeClr val="lt1"/>
+              </a:solidFill>
+              <a:latin typeface="Times New Roman" panose="02020603050405020304" pitchFamily="18" charset="0"/>
+              <a:cs typeface="Times New Roman" panose="02020603050405020304" pitchFamily="18" charset="0"/>
+            </a:endParaRPr>
+          </a:p>
+        </p:txBody>
+      </p:sp>
+      <p:pic>
+        <p:nvPicPr>
+          <p:cNvPr id="200" name="Google Shape;200;p7"/>
+          <p:cNvPicPr preferRelativeResize="0"/>
+          <p:nvPr/>
+        </p:nvPicPr>
+        <p:blipFill rotWithShape="1">
+          <a:blip r:embed="rId3">
+            <a:alphaModFix/>
+          </a:blip>
+          <a:srcRect/>
+          <a:stretch/>
+        </p:blipFill>
+        <p:spPr>
+          <a:xfrm>
+            <a:off x="3787982" y="4614653"/>
+            <a:ext cx="1369700" cy="331158"/>
+          </a:xfrm>
+          <a:prstGeom prst="rect">
+            <a:avLst/>
+          </a:prstGeom>
+          <a:noFill/>
+          <a:ln>
+            <a:noFill/>
+          </a:ln>
+        </p:spPr>
+      </p:pic>
+      <p:sp>
+        <p:nvSpPr>
+          <p:cNvPr id="3" name="TextBox 2">
+            <a:extLst>
+              <a:ext uri="{FF2B5EF4-FFF2-40B4-BE49-F238E27FC236}">
+                <a16:creationId xmlns:a16="http://schemas.microsoft.com/office/drawing/2014/main" id="{1D3D4D1E-5D16-49B1-0A13-7720A7EFFFA7}"/>
+              </a:ext>
+            </a:extLst>
+          </p:cNvPr>
+          <p:cNvSpPr txBox="1"/>
+          <p:nvPr/>
+        </p:nvSpPr>
+        <p:spPr>
+          <a:xfrm>
+            <a:off x="1150144" y="1164431"/>
+            <a:ext cx="4736306" cy="307777"/>
+          </a:xfrm>
+          <a:prstGeom prst="rect">
+            <a:avLst/>
+          </a:prstGeom>
+          <a:noFill/>
+        </p:spPr>
+        <p:txBody>
+          <a:bodyPr wrap="square" rtlCol="0">
+            <a:spAutoFit/>
+          </a:bodyPr>
+          <a:lstStyle/>
+          <a:p>
+            <a:r>
+              <a:rPr lang="en-IN" dirty="0">
+                <a:solidFill>
+                  <a:schemeClr val="bg1"/>
+                </a:solidFill>
+              </a:rPr>
+              <a:t>We have attached the video in the </a:t>
+            </a:r>
+            <a:r>
+              <a:rPr lang="en-IN">
+                <a:solidFill>
+                  <a:schemeClr val="bg1"/>
+                </a:solidFill>
+              </a:rPr>
+              <a:t>idea folder</a:t>
+            </a:r>
+          </a:p>
+        </p:txBody>
+      </p:sp>
+    </p:spTree>
+    <p:extLst>
+      <p:ext uri="{BB962C8B-B14F-4D97-AF65-F5344CB8AC3E}">
+        <p14:creationId xmlns:p14="http://schemas.microsoft.com/office/powerpoint/2010/main" val="2649799279"/>
+      </p:ext>
+    </p:extLst>
+  </p:cSld>
+  <p:clrMapOvr>
+    <a:masterClrMapping/>
+  </p:clrMapOvr>
+</p:sld>
+</file>
+
+<file path=ppt/slides/slide8.xml><?xml version="1.0" encoding="utf-8"?>
+<p:sld xmlns:a="http://schemas.openxmlformats.org/drawingml/2006/main" xmlns:r="http://schemas.openxmlformats.org/officeDocument/2006/relationships" xmlns:p="http://schemas.openxmlformats.org/presentationml/2006/main">
+  <p:cSld>
+    <p:spTree>
+      <p:nvGrpSpPr>
+        <p:cNvPr id="1" name="Shape 197"/>
+        <p:cNvGrpSpPr/>
+        <p:nvPr/>
+      </p:nvGrpSpPr>
+      <p:grpSpPr>
+        <a:xfrm>
+          <a:off x="0" y="0"/>
+          <a:ext cx="0" cy="0"/>
+          <a:chOff x="0" y="0"/>
+          <a:chExt cx="0" cy="0"/>
+        </a:xfrm>
+      </p:grpSpPr>
+      <p:sp>
+        <p:nvSpPr>
+          <p:cNvPr id="198" name="Google Shape;198;p7"/>
+          <p:cNvSpPr/>
+          <p:nvPr/>
+        </p:nvSpPr>
+        <p:spPr>
+          <a:xfrm>
             <a:off x="0" y="0"/>
             <a:ext cx="9144000" cy="5143500"/>
           </a:xfrm>
@@ -32226,7 +32765,7 @@
         <p:spPr>
           <a:xfrm>
             <a:off x="700088" y="750095"/>
-            <a:ext cx="7743824" cy="1107996"/>
+            <a:ext cx="7743824" cy="2000548"/>
           </a:xfrm>
           <a:prstGeom prst="rect">
             <a:avLst/>
@@ -32302,13 +32841,76 @@
               </a:rPr>
               <a:t>–  30seconds</a:t>
             </a:r>
-            <a:endParaRPr lang="en-IN" dirty="0">
+          </a:p>
+          <a:p>
+            <a:pPr marL="285750" indent="-285750">
+              <a:buClr>
+                <a:schemeClr val="bg1"/>
+              </a:buClr>
+              <a:buFont typeface="Arial" panose="020B0604020202020204" pitchFamily="34" charset="0"/>
+              <a:buChar char="•"/>
+            </a:pPr>
+            <a:endParaRPr lang="en-US" dirty="0">
               <a:solidFill>
                 <a:schemeClr val="bg1"/>
               </a:solidFill>
               <a:latin typeface="Times New Roman" panose="02020603050405020304" pitchFamily="18" charset="0"/>
               <a:cs typeface="Times New Roman" panose="02020603050405020304" pitchFamily="18" charset="0"/>
             </a:endParaRPr>
+          </a:p>
+          <a:p>
+            <a:pPr>
+              <a:buClr>
+                <a:schemeClr val="bg1"/>
+              </a:buClr>
+            </a:pPr>
+            <a:r>
+              <a:rPr lang="en-US" sz="1600" dirty="0">
+                <a:solidFill>
+                  <a:schemeClr val="bg1"/>
+                </a:solidFill>
+                <a:latin typeface="Times New Roman" panose="02020603050405020304" pitchFamily="18" charset="0"/>
+                <a:cs typeface="Times New Roman" panose="02020603050405020304" pitchFamily="18" charset="0"/>
+              </a:rPr>
+              <a:t>Tentative time for deployment in SBI</a:t>
+            </a:r>
+          </a:p>
+          <a:p>
+            <a:pPr>
+              <a:buClr>
+                <a:schemeClr val="bg1"/>
+              </a:buClr>
+            </a:pPr>
+            <a:r>
+              <a:rPr lang="en-IN" dirty="0">
+                <a:solidFill>
+                  <a:schemeClr val="bg1"/>
+                </a:solidFill>
+                <a:latin typeface="Times New Roman" panose="02020603050405020304" pitchFamily="18" charset="0"/>
+                <a:cs typeface="Times New Roman" panose="02020603050405020304" pitchFamily="18" charset="0"/>
+              </a:rPr>
+              <a:t>It would not take much time to set up </a:t>
+            </a:r>
+            <a:r>
+              <a:rPr lang="en-IN" dirty="0" err="1">
+                <a:solidFill>
+                  <a:schemeClr val="bg1"/>
+                </a:solidFill>
+                <a:latin typeface="Times New Roman" panose="02020603050405020304" pitchFamily="18" charset="0"/>
+                <a:cs typeface="Times New Roman" panose="02020603050405020304" pitchFamily="18" charset="0"/>
+              </a:rPr>
+              <a:t>thr</a:t>
+            </a:r>
+            <a:r>
+              <a:rPr lang="en-IN" dirty="0">
+                <a:solidFill>
+                  <a:schemeClr val="bg1"/>
+                </a:solidFill>
+                <a:latin typeface="Times New Roman" panose="02020603050405020304" pitchFamily="18" charset="0"/>
+                <a:cs typeface="Times New Roman" panose="02020603050405020304" pitchFamily="18" charset="0"/>
+              </a:rPr>
+              <a:t> prototype, we would be able to deliver  it within couple of weeks </a:t>
+            </a:r>
           </a:p>
         </p:txBody>
       </p:sp>
@@ -32325,7 +32927,7 @@
 </p:sld>
 </file>
 
-<file path=ppt/slides/slide8.xml><?xml version="1.0" encoding="utf-8"?>
+<file path=ppt/slides/slide9.xml><?xml version="1.0" encoding="utf-8"?>
 <p:sld xmlns:a="http://schemas.openxmlformats.org/drawingml/2006/main" xmlns:r="http://schemas.openxmlformats.org/officeDocument/2006/relationships" xmlns:p="http://schemas.openxmlformats.org/presentationml/2006/main">
   <p:cSld>
     <p:spTree>
@@ -33275,226 +33877,6 @@
         </p:txBody>
       </p:sp>
     </p:spTree>
-  </p:cSld>
-  <p:clrMapOvr>
-    <a:masterClrMapping/>
-  </p:clrMapOvr>
-</p:sld>
-</file>
-
-<file path=ppt/slides/slide9.xml><?xml version="1.0" encoding="utf-8"?>
-<p:sld xmlns:a="http://schemas.openxmlformats.org/drawingml/2006/main" xmlns:r="http://schemas.openxmlformats.org/officeDocument/2006/relationships" xmlns:p="http://schemas.openxmlformats.org/presentationml/2006/main">
-  <p:cSld>
-    <p:spTree>
-      <p:nvGrpSpPr>
-        <p:cNvPr id="1" name="Shape 197"/>
-        <p:cNvGrpSpPr/>
-        <p:nvPr/>
-      </p:nvGrpSpPr>
-      <p:grpSpPr>
-        <a:xfrm>
-          <a:off x="0" y="0"/>
-          <a:ext cx="0" cy="0"/>
-          <a:chOff x="0" y="0"/>
-          <a:chExt cx="0" cy="0"/>
-        </a:xfrm>
-      </p:grpSpPr>
-      <p:sp>
-        <p:nvSpPr>
-          <p:cNvPr id="198" name="Google Shape;198;p7"/>
-          <p:cNvSpPr/>
-          <p:nvPr/>
-        </p:nvSpPr>
-        <p:spPr>
-          <a:xfrm>
-            <a:off x="0" y="0"/>
-            <a:ext cx="9144000" cy="5143500"/>
-          </a:xfrm>
-          <a:prstGeom prst="rect">
-            <a:avLst/>
-          </a:prstGeom>
-          <a:solidFill>
-            <a:srgbClr val="2F0E3C"/>
-          </a:solidFill>
-          <a:ln>
-            <a:noFill/>
-          </a:ln>
-        </p:spPr>
-        <p:txBody>
-          <a:bodyPr spcFirstLastPara="1" wrap="square" lIns="61219" tIns="30600" rIns="61219" bIns="30600" anchor="t" anchorCtr="0">
-            <a:noAutofit/>
-          </a:bodyPr>
-          <a:lstStyle/>
-          <a:p>
-            <a:pPr>
-              <a:buSzPts val="1633"/>
-            </a:pPr>
-            <a:endParaRPr sz="1225"/>
-          </a:p>
-        </p:txBody>
-      </p:sp>
-      <p:pic>
-        <p:nvPicPr>
-          <p:cNvPr id="200" name="Google Shape;200;p7"/>
-          <p:cNvPicPr preferRelativeResize="0"/>
-          <p:nvPr/>
-        </p:nvPicPr>
-        <p:blipFill rotWithShape="1">
-          <a:blip r:embed="rId3">
-            <a:alphaModFix/>
-          </a:blip>
-          <a:srcRect/>
-          <a:stretch/>
-        </p:blipFill>
-        <p:spPr>
-          <a:xfrm>
-            <a:off x="3787982" y="4614653"/>
-            <a:ext cx="1369700" cy="331158"/>
-          </a:xfrm>
-          <a:prstGeom prst="rect">
-            <a:avLst/>
-          </a:prstGeom>
-          <a:noFill/>
-          <a:ln>
-            <a:noFill/>
-          </a:ln>
-        </p:spPr>
-      </p:pic>
-      <p:sp>
-        <p:nvSpPr>
-          <p:cNvPr id="2" name="TextBox 1">
-            <a:extLst>
-              <a:ext uri="{FF2B5EF4-FFF2-40B4-BE49-F238E27FC236}">
-                <a16:creationId xmlns:a16="http://schemas.microsoft.com/office/drawing/2014/main" id="{D81ABA18-3134-F913-4F36-2B9EF87733F0}"/>
-              </a:ext>
-            </a:extLst>
-          </p:cNvPr>
-          <p:cNvSpPr txBox="1"/>
-          <p:nvPr/>
-        </p:nvSpPr>
-        <p:spPr>
-          <a:xfrm>
-            <a:off x="2533304" y="254839"/>
-            <a:ext cx="3879056" cy="415498"/>
-          </a:xfrm>
-          <a:prstGeom prst="rect">
-            <a:avLst/>
-          </a:prstGeom>
-          <a:noFill/>
-        </p:spPr>
-        <p:txBody>
-          <a:bodyPr wrap="square" rtlCol="0">
-            <a:spAutoFit/>
-          </a:bodyPr>
-          <a:lstStyle/>
-          <a:p>
-            <a:r>
-              <a:rPr lang="en-US" sz="2100" b="1" dirty="0">
-                <a:solidFill>
-                  <a:schemeClr val="bg1"/>
-                </a:solidFill>
-                <a:latin typeface="Times New Roman" panose="02020603050405020304" pitchFamily="18" charset="0"/>
-                <a:cs typeface="Times New Roman" panose="02020603050405020304" pitchFamily="18" charset="0"/>
-              </a:rPr>
-              <a:t>Ability to scale-up in enterprises</a:t>
-            </a:r>
-            <a:endParaRPr lang="en-IN" sz="2100" b="1" dirty="0">
-              <a:solidFill>
-                <a:schemeClr val="bg1"/>
-              </a:solidFill>
-              <a:latin typeface="Times New Roman" panose="02020603050405020304" pitchFamily="18" charset="0"/>
-              <a:cs typeface="Times New Roman" panose="02020603050405020304" pitchFamily="18" charset="0"/>
-            </a:endParaRPr>
-          </a:p>
-        </p:txBody>
-      </p:sp>
-      <p:sp>
-        <p:nvSpPr>
-          <p:cNvPr id="3" name="TextBox 2">
-            <a:extLst>
-              <a:ext uri="{FF2B5EF4-FFF2-40B4-BE49-F238E27FC236}">
-                <a16:creationId xmlns:a16="http://schemas.microsoft.com/office/drawing/2014/main" id="{875499DC-C40F-7E26-EB9B-FC533908A4F0}"/>
-              </a:ext>
-            </a:extLst>
-          </p:cNvPr>
-          <p:cNvSpPr txBox="1"/>
-          <p:nvPr/>
-        </p:nvSpPr>
-        <p:spPr>
-          <a:xfrm>
-            <a:off x="700088" y="735806"/>
-            <a:ext cx="7743824" cy="1538883"/>
-          </a:xfrm>
-          <a:prstGeom prst="rect">
-            <a:avLst/>
-          </a:prstGeom>
-          <a:noFill/>
-        </p:spPr>
-        <p:txBody>
-          <a:bodyPr wrap="square" rtlCol="0">
-            <a:spAutoFit/>
-          </a:bodyPr>
-          <a:lstStyle/>
-          <a:p>
-            <a:pPr marL="285750" indent="-285750">
-              <a:buClr>
-                <a:schemeClr val="bg1"/>
-              </a:buClr>
-              <a:buFont typeface="Arial" panose="020B0604020202020204" pitchFamily="34" charset="0"/>
-              <a:buChar char="•"/>
-            </a:pPr>
-            <a:r>
-              <a:rPr lang="en-US" sz="1600" dirty="0">
-                <a:solidFill>
-                  <a:schemeClr val="bg1"/>
-                </a:solidFill>
-                <a:latin typeface="Times New Roman" panose="02020603050405020304" pitchFamily="18" charset="0"/>
-                <a:cs typeface="Times New Roman" panose="02020603050405020304" pitchFamily="18" charset="0"/>
-              </a:rPr>
-              <a:t>Scalability of different components like the encryption or decryption process as Azure functions are use which will be triggered when there are any changes in the blob storage containers </a:t>
-            </a:r>
-          </a:p>
-          <a:p>
-            <a:pPr marL="285750" indent="-285750">
-              <a:buClr>
-                <a:schemeClr val="bg1"/>
-              </a:buClr>
-              <a:buFont typeface="Arial" panose="020B0604020202020204" pitchFamily="34" charset="0"/>
-              <a:buChar char="•"/>
-            </a:pPr>
-            <a:r>
-              <a:rPr lang="en-US" sz="1600" dirty="0">
-                <a:solidFill>
-                  <a:schemeClr val="bg1"/>
-                </a:solidFill>
-                <a:latin typeface="Times New Roman" panose="02020603050405020304" pitchFamily="18" charset="0"/>
-                <a:cs typeface="Times New Roman" panose="02020603050405020304" pitchFamily="18" charset="0"/>
-              </a:rPr>
-              <a:t>The number of storage containers can be incremented as per the requirements of the use case</a:t>
-            </a:r>
-          </a:p>
-          <a:p>
-            <a:pPr>
-              <a:buClr>
-                <a:schemeClr val="bg1"/>
-              </a:buClr>
-            </a:pPr>
-            <a:endParaRPr lang="en-IN" dirty="0">
-              <a:solidFill>
-                <a:schemeClr val="bg1"/>
-              </a:solidFill>
-              <a:latin typeface="Times New Roman" panose="02020603050405020304" pitchFamily="18" charset="0"/>
-              <a:cs typeface="Times New Roman" panose="02020603050405020304" pitchFamily="18" charset="0"/>
-            </a:endParaRPr>
-          </a:p>
-        </p:txBody>
-      </p:sp>
-    </p:spTree>
-    <p:extLst>
-      <p:ext uri="{BB962C8B-B14F-4D97-AF65-F5344CB8AC3E}">
-        <p14:creationId xmlns:p14="http://schemas.microsoft.com/office/powerpoint/2010/main" val="2340258474"/>
-      </p:ext>
-    </p:extLst>
   </p:cSld>
   <p:clrMapOvr>
     <a:masterClrMapping/>
